--- a/期中專案_heston_model的蒙地卡羅模擬.pptx
+++ b/期中專案_heston_model的蒙地卡羅模擬.pptx
@@ -5,10 +5,10 @@
     <p:sldMasterId id="2147484128" r:id="rId1"/>
   </p:sldMasterIdLst>
   <p:notesMasterIdLst>
-    <p:notesMasterId r:id="rId15"/>
+    <p:notesMasterId r:id="rId18"/>
   </p:notesMasterIdLst>
   <p:handoutMasterIdLst>
-    <p:handoutMasterId r:id="rId16"/>
+    <p:handoutMasterId r:id="rId19"/>
   </p:handoutMasterIdLst>
   <p:sldIdLst>
     <p:sldId id="256" r:id="rId2"/>
@@ -24,6 +24,9 @@
     <p:sldId id="343" r:id="rId12"/>
     <p:sldId id="342" r:id="rId13"/>
     <p:sldId id="346" r:id="rId14"/>
+    <p:sldId id="347" r:id="rId15"/>
+    <p:sldId id="348" r:id="rId16"/>
+    <p:sldId id="349" r:id="rId17"/>
   </p:sldIdLst>
   <p:sldSz cx="9144000" cy="6858000" type="screen4x3"/>
   <p:notesSz cx="6858000" cy="9144000"/>
@@ -7993,12 +7996,2418 @@
           </a:p>
         </p:txBody>
       </p:sp>
+      <p:grpSp>
+        <p:nvGrpSpPr>
+          <p:cNvPr id="3" name="群組 2">
+            <a:extLst>
+              <a:ext uri="{FF2B5EF4-FFF2-40B4-BE49-F238E27FC236}">
+                <a16:creationId xmlns:a16="http://schemas.microsoft.com/office/drawing/2014/main" id="{8C89B88F-5628-4A93-B4C6-2270B05ABFC4}"/>
+              </a:ext>
+            </a:extLst>
+          </p:cNvPr>
+          <p:cNvGrpSpPr/>
+          <p:nvPr/>
+        </p:nvGrpSpPr>
+        <p:grpSpPr>
+          <a:xfrm>
+            <a:off x="596900" y="1369672"/>
+            <a:ext cx="3558540" cy="2704488"/>
+            <a:chOff x="596900" y="1369672"/>
+            <a:chExt cx="3558540" cy="2704488"/>
+          </a:xfrm>
+        </p:grpSpPr>
+        <p:sp>
+          <p:nvSpPr>
+            <p:cNvPr id="7" name="矩形 6">
+              <a:extLst>
+                <a:ext uri="{FF2B5EF4-FFF2-40B4-BE49-F238E27FC236}">
+                  <a16:creationId xmlns:a16="http://schemas.microsoft.com/office/drawing/2014/main" id="{D990B4E1-1428-4281-BE2F-A33695B6C75E}"/>
+                </a:ext>
+              </a:extLst>
+            </p:cNvPr>
+            <p:cNvSpPr/>
+            <p:nvPr/>
+          </p:nvSpPr>
+          <p:spPr>
+            <a:xfrm>
+              <a:off x="596900" y="1369672"/>
+              <a:ext cx="3165166" cy="381000"/>
+            </a:xfrm>
+            <a:prstGeom prst="rect">
+              <a:avLst/>
+            </a:prstGeom>
+          </p:spPr>
+          <p:style>
+            <a:lnRef idx="2">
+              <a:schemeClr val="accent1">
+                <a:shade val="50000"/>
+              </a:schemeClr>
+            </a:lnRef>
+            <a:fillRef idx="1">
+              <a:schemeClr val="accent1"/>
+            </a:fillRef>
+            <a:effectRef idx="0">
+              <a:schemeClr val="accent1"/>
+            </a:effectRef>
+            <a:fontRef idx="minor">
+              <a:schemeClr val="lt1"/>
+            </a:fontRef>
+          </p:style>
+          <p:txBody>
+            <a:bodyPr rtlCol="0" anchor="ctr"/>
+            <a:lstStyle/>
+            <a:p>
+              <a:r>
+                <a:rPr lang="zh-TW" altLang="en-US" sz="1600" dirty="0"/>
+                <a:t>檔案</a:t>
+              </a:r>
+              <a:r>
+                <a:rPr lang="en-US" altLang="zh-TW" sz="1600" dirty="0"/>
+                <a:t>:</a:t>
+              </a:r>
+              <a:r>
+                <a:rPr lang="zh-TW" altLang="en-US" sz="1600" dirty="0"/>
+                <a:t> </a:t>
+              </a:r>
+              <a:r>
+                <a:rPr lang="en-US" altLang="zh-TW" sz="1600" dirty="0" err="1"/>
+                <a:t>QuadraticRegression.cs</a:t>
+              </a:r>
+              <a:endParaRPr lang="zh-TW" altLang="en-US" sz="1600" dirty="0"/>
+            </a:p>
+          </p:txBody>
+        </p:sp>
+        <p:sp>
+          <p:nvSpPr>
+            <p:cNvPr id="12" name="矩形 11">
+              <a:extLst>
+                <a:ext uri="{FF2B5EF4-FFF2-40B4-BE49-F238E27FC236}">
+                  <a16:creationId xmlns:a16="http://schemas.microsoft.com/office/drawing/2014/main" id="{CF86F2D2-86ED-489C-BEBD-7BEFDD6AFE2F}"/>
+                </a:ext>
+              </a:extLst>
+            </p:cNvPr>
+            <p:cNvSpPr/>
+            <p:nvPr/>
+          </p:nvSpPr>
+          <p:spPr>
+            <a:xfrm>
+              <a:off x="596900" y="1750671"/>
+              <a:ext cx="3558540" cy="2323489"/>
+            </a:xfrm>
+            <a:prstGeom prst="rect">
+              <a:avLst/>
+            </a:prstGeom>
+            <a:solidFill>
+              <a:schemeClr val="bg1">
+                <a:alpha val="0"/>
+              </a:schemeClr>
+            </a:solidFill>
+          </p:spPr>
+          <p:style>
+            <a:lnRef idx="2">
+              <a:schemeClr val="accent1">
+                <a:shade val="50000"/>
+              </a:schemeClr>
+            </a:lnRef>
+            <a:fillRef idx="1">
+              <a:schemeClr val="accent1"/>
+            </a:fillRef>
+            <a:effectRef idx="0">
+              <a:schemeClr val="accent1"/>
+            </a:effectRef>
+            <a:fontRef idx="minor">
+              <a:schemeClr val="lt1"/>
+            </a:fontRef>
+          </p:style>
+          <p:txBody>
+            <a:bodyPr rtlCol="0" anchor="ctr"/>
+            <a:lstStyle/>
+            <a:p>
+              <a:endParaRPr lang="en-US" altLang="zh-TW" sz="1600" dirty="0">
+                <a:solidFill>
+                  <a:schemeClr val="accent1"/>
+                </a:solidFill>
+              </a:endParaRPr>
+            </a:p>
+          </p:txBody>
+        </p:sp>
+        <p:sp>
+          <p:nvSpPr>
+            <p:cNvPr id="8" name="文字方塊 7">
+              <a:extLst>
+                <a:ext uri="{FF2B5EF4-FFF2-40B4-BE49-F238E27FC236}">
+                  <a16:creationId xmlns:a16="http://schemas.microsoft.com/office/drawing/2014/main" id="{B59C52F6-CF87-4EAC-8F5D-2DB0C413112E}"/>
+                </a:ext>
+              </a:extLst>
+            </p:cNvPr>
+            <p:cNvSpPr txBox="1"/>
+            <p:nvPr/>
+          </p:nvSpPr>
+          <p:spPr>
+            <a:xfrm>
+              <a:off x="931046" y="2068972"/>
+              <a:ext cx="2757034" cy="1535288"/>
+            </a:xfrm>
+            <a:prstGeom prst="rect">
+              <a:avLst/>
+            </a:prstGeom>
+            <a:noFill/>
+            <a:ln>
+              <a:solidFill>
+                <a:schemeClr val="tx1"/>
+              </a:solidFill>
+            </a:ln>
+          </p:spPr>
+          <p:txBody>
+            <a:bodyPr wrap="square" rtlCol="0">
+              <a:noAutofit/>
+            </a:bodyPr>
+            <a:lstStyle/>
+            <a:p>
+              <a:r>
+                <a:rPr lang="zh-TW" altLang="en-US" sz="1600" dirty="0"/>
+                <a:t>物件</a:t>
+              </a:r>
+              <a:r>
+                <a:rPr lang="en-US" altLang="zh-TW" sz="1600" dirty="0"/>
+                <a:t>: </a:t>
+              </a:r>
+              <a:r>
+                <a:rPr lang="en-US" altLang="zh-TW" sz="1600" dirty="0" err="1"/>
+                <a:t>QudraticRegression</a:t>
+              </a:r>
+              <a:endParaRPr lang="en-US" altLang="zh-TW" sz="1600" dirty="0"/>
+            </a:p>
+            <a:p>
+              <a:r>
+                <a:rPr lang="zh-TW" altLang="en-US" sz="1600" dirty="0"/>
+                <a:t>功能</a:t>
+              </a:r>
+              <a:r>
+                <a:rPr lang="en-US" altLang="zh-TW" sz="1600" dirty="0"/>
+                <a:t>:</a:t>
+              </a:r>
+            </a:p>
+            <a:p>
+              <a:r>
+                <a:rPr lang="en-US" altLang="zh-TW" sz="1600" dirty="0"/>
+                <a:t>	</a:t>
+              </a:r>
+              <a:r>
+                <a:rPr lang="zh-TW" altLang="en-US" sz="1600" dirty="0"/>
+                <a:t>建立二次多項式回歸及</a:t>
+              </a:r>
+              <a:r>
+                <a:rPr lang="en-US" altLang="zh-TW" sz="1600" dirty="0"/>
+                <a:t>	</a:t>
+              </a:r>
+              <a:r>
+                <a:rPr lang="zh-TW" altLang="en-US" sz="1600" dirty="0"/>
+                <a:t>查詢係數和預測。</a:t>
+              </a:r>
+              <a:r>
+                <a:rPr lang="en-US" altLang="zh-TW" sz="1600" dirty="0"/>
+                <a:t>	</a:t>
+              </a:r>
+            </a:p>
+            <a:p>
+              <a:r>
+                <a:rPr lang="en-US" altLang="zh-TW" sz="1600" dirty="0"/>
+                <a:t>	(</a:t>
+              </a:r>
+              <a:r>
+                <a:rPr lang="zh-TW" altLang="en-US" sz="1600" dirty="0"/>
+                <a:t>用於美式選擇權</a:t>
+              </a:r>
+              <a:r>
+                <a:rPr lang="en-US" altLang="zh-TW" sz="1600" dirty="0"/>
+                <a:t>)</a:t>
+              </a:r>
+            </a:p>
+            <a:p>
+              <a:endParaRPr lang="en-US" altLang="zh-TW" sz="1600" dirty="0"/>
+            </a:p>
+            <a:p>
+              <a:endParaRPr lang="zh-TW" altLang="en-US" sz="1600" dirty="0"/>
+            </a:p>
+          </p:txBody>
+        </p:sp>
+      </p:grpSp>
+    </p:spTree>
+    <p:extLst>
+      <p:ext uri="{BB962C8B-B14F-4D97-AF65-F5344CB8AC3E}">
+        <p14:creationId xmlns:p14="http://schemas.microsoft.com/office/powerpoint/2010/main" val="2760182608"/>
+      </p:ext>
+    </p:extLst>
+  </p:cSld>
+  <p:clrMapOvr>
+    <a:masterClrMapping/>
+  </p:clrMapOvr>
+</p:sld>
+</file>
+
+<file path=ppt/slides/slide14.xml><?xml version="1.0" encoding="utf-8"?>
+<p:sld xmlns:a="http://schemas.openxmlformats.org/drawingml/2006/main" xmlns:r="http://schemas.openxmlformats.org/officeDocument/2006/relationships" xmlns:p="http://schemas.openxmlformats.org/presentationml/2006/main">
+  <p:cSld>
+    <p:spTree>
+      <p:nvGrpSpPr>
+        <p:cNvPr id="1" name=""/>
+        <p:cNvGrpSpPr/>
+        <p:nvPr/>
+      </p:nvGrpSpPr>
+      <p:grpSpPr>
+        <a:xfrm>
+          <a:off x="0" y="0"/>
+          <a:ext cx="0" cy="0"/>
+          <a:chOff x="0" y="0"/>
+          <a:chExt cx="0" cy="0"/>
+        </a:xfrm>
+      </p:grpSpPr>
       <p:sp>
         <p:nvSpPr>
-          <p:cNvPr id="7" name="矩形 6">
+          <p:cNvPr id="6" name="標題 5">
             <a:extLst>
               <a:ext uri="{FF2B5EF4-FFF2-40B4-BE49-F238E27FC236}">
-                <a16:creationId xmlns:a16="http://schemas.microsoft.com/office/drawing/2014/main" id="{D990B4E1-1428-4281-BE2F-A33695B6C75E}"/>
+                <a16:creationId xmlns:a16="http://schemas.microsoft.com/office/drawing/2014/main" id="{D286C009-5694-4652-9500-3C083621C33E}"/>
+              </a:ext>
+            </a:extLst>
+          </p:cNvPr>
+          <p:cNvSpPr>
+            <a:spLocks noGrp="1"/>
+          </p:cNvSpPr>
+          <p:nvPr>
+            <p:ph type="title"/>
+          </p:nvPr>
+        </p:nvSpPr>
+        <p:spPr>
+          <a:xfrm>
+            <a:off x="465449" y="2286000"/>
+            <a:ext cx="2315458" cy="2286000"/>
+          </a:xfrm>
+        </p:spPr>
+        <p:txBody>
+          <a:bodyPr anchor="ctr">
+            <a:normAutofit/>
+          </a:bodyPr>
+          <a:lstStyle/>
+          <a:p>
+            <a:pPr algn="r"/>
+            <a:r>
+              <a:rPr lang="en-US" altLang="zh-TW" sz="5400" dirty="0"/>
+              <a:t>03</a:t>
+            </a:r>
+            <a:endParaRPr lang="zh-TW" altLang="en-US" sz="5400" dirty="0"/>
+          </a:p>
+        </p:txBody>
+      </p:sp>
+      <p:sp>
+        <p:nvSpPr>
+          <p:cNvPr id="7" name="內容版面配置區 6">
+            <a:extLst>
+              <a:ext uri="{FF2B5EF4-FFF2-40B4-BE49-F238E27FC236}">
+                <a16:creationId xmlns:a16="http://schemas.microsoft.com/office/drawing/2014/main" id="{A7726A70-7346-4607-8F9A-F2FCC1F2534B}"/>
+              </a:ext>
+            </a:extLst>
+          </p:cNvPr>
+          <p:cNvSpPr>
+            <a:spLocks noGrp="1"/>
+          </p:cNvSpPr>
+          <p:nvPr>
+            <p:ph idx="1"/>
+          </p:nvPr>
+        </p:nvSpPr>
+        <p:spPr>
+          <a:xfrm>
+            <a:off x="3399970" y="800100"/>
+            <a:ext cx="5009393" cy="5257800"/>
+          </a:xfrm>
+        </p:spPr>
+        <p:txBody>
+          <a:bodyPr anchor="ctr">
+            <a:normAutofit/>
+          </a:bodyPr>
+          <a:lstStyle/>
+          <a:p>
+            <a:r>
+              <a:rPr lang="zh-TW" altLang="en-US" sz="4000" dirty="0"/>
+              <a:t>期末更新</a:t>
+            </a:r>
+          </a:p>
+        </p:txBody>
+      </p:sp>
+      <p:sp>
+        <p:nvSpPr>
+          <p:cNvPr id="4" name="投影片編號版面配置區 3">
+            <a:extLst>
+              <a:ext uri="{FF2B5EF4-FFF2-40B4-BE49-F238E27FC236}">
+                <a16:creationId xmlns:a16="http://schemas.microsoft.com/office/drawing/2014/main" id="{AD4EFBF5-543A-43C0-B5A3-2480E74694C7}"/>
+              </a:ext>
+            </a:extLst>
+          </p:cNvPr>
+          <p:cNvSpPr>
+            <a:spLocks noGrp="1"/>
+          </p:cNvSpPr>
+          <p:nvPr>
+            <p:ph type="sldNum" sz="quarter" idx="12"/>
+          </p:nvPr>
+        </p:nvSpPr>
+        <p:spPr/>
+        <p:txBody>
+          <a:bodyPr/>
+          <a:lstStyle/>
+          <a:p>
+            <a:fld id="{12C7F30D-11D9-4941-9C2B-DBF4D7E3F2A5}" type="slidenum">
+              <a:rPr lang="zh-TW" altLang="en-US" smtClean="0"/>
+              <a:t>14</a:t>
+            </a:fld>
+            <a:endParaRPr lang="zh-TW" altLang="en-US"/>
+          </a:p>
+        </p:txBody>
+      </p:sp>
+    </p:spTree>
+    <p:extLst>
+      <p:ext uri="{BB962C8B-B14F-4D97-AF65-F5344CB8AC3E}">
+        <p14:creationId xmlns:p14="http://schemas.microsoft.com/office/powerpoint/2010/main" val="2575449905"/>
+      </p:ext>
+    </p:extLst>
+  </p:cSld>
+  <p:clrMapOvr>
+    <a:masterClrMapping/>
+  </p:clrMapOvr>
+</p:sld>
+</file>
+
+<file path=ppt/slides/slide15.xml><?xml version="1.0" encoding="utf-8"?>
+<p:sld xmlns:a="http://schemas.openxmlformats.org/drawingml/2006/main" xmlns:r="http://schemas.openxmlformats.org/officeDocument/2006/relationships" xmlns:p="http://schemas.openxmlformats.org/presentationml/2006/main">
+  <p:cSld>
+    <p:spTree>
+      <p:nvGrpSpPr>
+        <p:cNvPr id="1" name=""/>
+        <p:cNvGrpSpPr/>
+        <p:nvPr/>
+      </p:nvGrpSpPr>
+      <p:grpSpPr>
+        <a:xfrm>
+          <a:off x="0" y="0"/>
+          <a:ext cx="0" cy="0"/>
+          <a:chOff x="0" y="0"/>
+          <a:chExt cx="0" cy="0"/>
+        </a:xfrm>
+      </p:grpSpPr>
+      <p:sp>
+        <p:nvSpPr>
+          <p:cNvPr id="2" name="標題 1">
+            <a:extLst>
+              <a:ext uri="{FF2B5EF4-FFF2-40B4-BE49-F238E27FC236}">
+                <a16:creationId xmlns:a16="http://schemas.microsoft.com/office/drawing/2014/main" id="{A0076CE4-A93C-4C22-A496-6E79A9CE40E8}"/>
+              </a:ext>
+            </a:extLst>
+          </p:cNvPr>
+          <p:cNvSpPr>
+            <a:spLocks noGrp="1"/>
+          </p:cNvSpPr>
+          <p:nvPr>
+            <p:ph type="title"/>
+          </p:nvPr>
+        </p:nvSpPr>
+        <p:spPr>
+          <a:xfrm>
+            <a:off x="800100" y="389948"/>
+            <a:ext cx="7543800" cy="702302"/>
+          </a:xfrm>
+        </p:spPr>
+        <p:txBody>
+          <a:bodyPr/>
+          <a:lstStyle/>
+          <a:p>
+            <a:r>
+              <a:rPr lang="zh-TW" altLang="en-US" dirty="0">
+                <a:latin typeface="+mj-lt"/>
+              </a:rPr>
+              <a:t>期中期末比較</a:t>
+            </a:r>
+          </a:p>
+        </p:txBody>
+      </p:sp>
+      <p:sp>
+        <p:nvSpPr>
+          <p:cNvPr id="4" name="投影片編號版面配置區 3">
+            <a:extLst>
+              <a:ext uri="{FF2B5EF4-FFF2-40B4-BE49-F238E27FC236}">
+                <a16:creationId xmlns:a16="http://schemas.microsoft.com/office/drawing/2014/main" id="{AC44FAA6-29F4-48E0-8EFD-731F23604357}"/>
+              </a:ext>
+            </a:extLst>
+          </p:cNvPr>
+          <p:cNvSpPr>
+            <a:spLocks noGrp="1"/>
+          </p:cNvSpPr>
+          <p:nvPr>
+            <p:ph type="sldNum" sz="quarter" idx="12"/>
+          </p:nvPr>
+        </p:nvSpPr>
+        <p:spPr/>
+        <p:txBody>
+          <a:bodyPr/>
+          <a:lstStyle/>
+          <a:p>
+            <a:fld id="{12C7F30D-11D9-4941-9C2B-DBF4D7E3F2A5}" type="slidenum">
+              <a:rPr lang="zh-TW" altLang="en-US" smtClean="0">
+                <a:latin typeface="+mj-lt"/>
+              </a:rPr>
+              <a:t>15</a:t>
+            </a:fld>
+            <a:endParaRPr lang="zh-TW" altLang="en-US">
+              <a:latin typeface="+mj-lt"/>
+            </a:endParaRPr>
+          </a:p>
+        </p:txBody>
+      </p:sp>
+      <p:grpSp>
+        <p:nvGrpSpPr>
+          <p:cNvPr id="5" name="群組 4">
+            <a:extLst>
+              <a:ext uri="{FF2B5EF4-FFF2-40B4-BE49-F238E27FC236}">
+                <a16:creationId xmlns:a16="http://schemas.microsoft.com/office/drawing/2014/main" id="{29DADEA6-FFAA-4B2C-9A03-8229D0307F9E}"/>
+              </a:ext>
+            </a:extLst>
+          </p:cNvPr>
+          <p:cNvGrpSpPr/>
+          <p:nvPr/>
+        </p:nvGrpSpPr>
+        <p:grpSpPr>
+          <a:xfrm>
+            <a:off x="466165" y="2346783"/>
+            <a:ext cx="8435788" cy="693833"/>
+            <a:chOff x="466165" y="2248178"/>
+            <a:chExt cx="8435788" cy="693833"/>
+          </a:xfrm>
+        </p:grpSpPr>
+        <p:grpSp>
+          <p:nvGrpSpPr>
+            <p:cNvPr id="8" name="组合 11">
+              <a:extLst>
+                <a:ext uri="{FF2B5EF4-FFF2-40B4-BE49-F238E27FC236}">
+                  <a16:creationId xmlns:a16="http://schemas.microsoft.com/office/drawing/2014/main" id="{E80758BA-4C66-4FE7-9A92-263BD703F203}"/>
+                </a:ext>
+              </a:extLst>
+            </p:cNvPr>
+            <p:cNvGrpSpPr/>
+            <p:nvPr/>
+          </p:nvGrpSpPr>
+          <p:grpSpPr>
+            <a:xfrm>
+              <a:off x="466165" y="2508496"/>
+              <a:ext cx="8435788" cy="189878"/>
+              <a:chOff x="534438" y="3368953"/>
+              <a:chExt cx="10944224" cy="438144"/>
+            </a:xfrm>
+            <a:solidFill>
+              <a:schemeClr val="accent1"/>
+            </a:solidFill>
+          </p:grpSpPr>
+          <p:sp>
+            <p:nvSpPr>
+              <p:cNvPr id="9" name="矩形 8">
+                <a:extLst>
+                  <a:ext uri="{FF2B5EF4-FFF2-40B4-BE49-F238E27FC236}">
+                    <a16:creationId xmlns:a16="http://schemas.microsoft.com/office/drawing/2014/main" id="{4BF27F1F-645C-4315-9DE4-E9153E825202}"/>
+                  </a:ext>
+                </a:extLst>
+              </p:cNvPr>
+              <p:cNvSpPr/>
+              <p:nvPr/>
+            </p:nvSpPr>
+            <p:spPr>
+              <a:xfrm>
+                <a:off x="11049789" y="3503489"/>
+                <a:ext cx="50397" cy="169069"/>
+              </a:xfrm>
+              <a:prstGeom prst="rect">
+                <a:avLst/>
+              </a:prstGeom>
+              <a:grpFill/>
+              <a:ln>
+                <a:solidFill>
+                  <a:schemeClr val="accent1"/>
+                </a:solidFill>
+              </a:ln>
+            </p:spPr>
+            <p:style>
+              <a:lnRef idx="2">
+                <a:schemeClr val="accent1">
+                  <a:shade val="50000"/>
+                </a:schemeClr>
+              </a:lnRef>
+              <a:fillRef idx="1">
+                <a:schemeClr val="accent1"/>
+              </a:fillRef>
+              <a:effectRef idx="0">
+                <a:schemeClr val="accent1"/>
+              </a:effectRef>
+              <a:fontRef idx="minor">
+                <a:schemeClr val="lt1"/>
+              </a:fontRef>
+            </p:style>
+            <p:txBody>
+              <a:bodyPr rtlCol="0" anchor="ctr"/>
+              <a:lstStyle/>
+              <a:p>
+                <a:pPr algn="ctr"/>
+                <a:endParaRPr lang="zh-CN" altLang="en-US" sz="1600"/>
+              </a:p>
+            </p:txBody>
+          </p:sp>
+          <p:grpSp>
+            <p:nvGrpSpPr>
+              <p:cNvPr id="10" name="组合 13">
+                <a:extLst>
+                  <a:ext uri="{FF2B5EF4-FFF2-40B4-BE49-F238E27FC236}">
+                    <a16:creationId xmlns:a16="http://schemas.microsoft.com/office/drawing/2014/main" id="{9C55DFFB-1800-4612-B28A-CD4D218AEDEC}"/>
+                  </a:ext>
+                </a:extLst>
+              </p:cNvPr>
+              <p:cNvGrpSpPr/>
+              <p:nvPr/>
+            </p:nvGrpSpPr>
+            <p:grpSpPr>
+              <a:xfrm>
+                <a:off x="534438" y="3368953"/>
+                <a:ext cx="10944224" cy="438144"/>
+                <a:chOff x="623889" y="3209929"/>
+                <a:chExt cx="10944224" cy="438144"/>
+              </a:xfrm>
+              <a:grpFill/>
+            </p:grpSpPr>
+            <p:sp>
+              <p:nvSpPr>
+                <p:cNvPr id="11" name="矩形 10">
+                  <a:extLst>
+                    <a:ext uri="{FF2B5EF4-FFF2-40B4-BE49-F238E27FC236}">
+                      <a16:creationId xmlns:a16="http://schemas.microsoft.com/office/drawing/2014/main" id="{B7FB4A05-9A0D-407B-B512-03AE0615EB42}"/>
+                    </a:ext>
+                  </a:extLst>
+                </p:cNvPr>
+                <p:cNvSpPr/>
+                <p:nvPr/>
+              </p:nvSpPr>
+              <p:spPr>
+                <a:xfrm>
+                  <a:off x="623889" y="3344465"/>
+                  <a:ext cx="50397" cy="169069"/>
+                </a:xfrm>
+                <a:prstGeom prst="rect">
+                  <a:avLst/>
+                </a:prstGeom>
+                <a:grpFill/>
+                <a:ln>
+                  <a:solidFill>
+                    <a:schemeClr val="accent1"/>
+                  </a:solidFill>
+                </a:ln>
+              </p:spPr>
+              <p:style>
+                <a:lnRef idx="2">
+                  <a:schemeClr val="accent1">
+                    <a:shade val="50000"/>
+                  </a:schemeClr>
+                </a:lnRef>
+                <a:fillRef idx="1">
+                  <a:schemeClr val="accent1"/>
+                </a:fillRef>
+                <a:effectRef idx="0">
+                  <a:schemeClr val="accent1"/>
+                </a:effectRef>
+                <a:fontRef idx="minor">
+                  <a:schemeClr val="lt1"/>
+                </a:fontRef>
+              </p:style>
+              <p:txBody>
+                <a:bodyPr rtlCol="0" anchor="ctr"/>
+                <a:lstStyle/>
+                <a:p>
+                  <a:pPr algn="ctr"/>
+                  <a:endParaRPr lang="zh-CN" altLang="en-US" sz="1600"/>
+                </a:p>
+              </p:txBody>
+            </p:sp>
+            <p:sp>
+              <p:nvSpPr>
+                <p:cNvPr id="13" name="矩形 12">
+                  <a:extLst>
+                    <a:ext uri="{FF2B5EF4-FFF2-40B4-BE49-F238E27FC236}">
+                      <a16:creationId xmlns:a16="http://schemas.microsoft.com/office/drawing/2014/main" id="{3583C8C7-C30A-4A82-A6EF-752B569BE66A}"/>
+                    </a:ext>
+                  </a:extLst>
+                </p:cNvPr>
+                <p:cNvSpPr/>
+                <p:nvPr/>
+              </p:nvSpPr>
+              <p:spPr>
+                <a:xfrm>
+                  <a:off x="717047" y="3344465"/>
+                  <a:ext cx="107093" cy="169069"/>
+                </a:xfrm>
+                <a:prstGeom prst="rect">
+                  <a:avLst/>
+                </a:prstGeom>
+                <a:grpFill/>
+                <a:ln>
+                  <a:solidFill>
+                    <a:schemeClr val="accent1"/>
+                  </a:solidFill>
+                </a:ln>
+              </p:spPr>
+              <p:style>
+                <a:lnRef idx="2">
+                  <a:schemeClr val="accent1">
+                    <a:shade val="50000"/>
+                  </a:schemeClr>
+                </a:lnRef>
+                <a:fillRef idx="1">
+                  <a:schemeClr val="accent1"/>
+                </a:fillRef>
+                <a:effectRef idx="0">
+                  <a:schemeClr val="accent1"/>
+                </a:effectRef>
+                <a:fontRef idx="minor">
+                  <a:schemeClr val="lt1"/>
+                </a:fontRef>
+              </p:style>
+              <p:txBody>
+                <a:bodyPr rtlCol="0" anchor="ctr"/>
+                <a:lstStyle/>
+                <a:p>
+                  <a:pPr algn="ctr"/>
+                  <a:endParaRPr lang="zh-CN" altLang="en-US" sz="1600"/>
+                </a:p>
+              </p:txBody>
+            </p:sp>
+            <p:sp>
+              <p:nvSpPr>
+                <p:cNvPr id="14" name="矩形 13">
+                  <a:extLst>
+                    <a:ext uri="{FF2B5EF4-FFF2-40B4-BE49-F238E27FC236}">
+                      <a16:creationId xmlns:a16="http://schemas.microsoft.com/office/drawing/2014/main" id="{5CDCACEC-42AB-415B-BF8C-0E4E56DE754A}"/>
+                    </a:ext>
+                  </a:extLst>
+                </p:cNvPr>
+                <p:cNvSpPr/>
+                <p:nvPr/>
+              </p:nvSpPr>
+              <p:spPr>
+                <a:xfrm>
+                  <a:off x="866901" y="3344465"/>
+                  <a:ext cx="198437" cy="169069"/>
+                </a:xfrm>
+                <a:prstGeom prst="rect">
+                  <a:avLst/>
+                </a:prstGeom>
+                <a:grpFill/>
+                <a:ln>
+                  <a:solidFill>
+                    <a:schemeClr val="accent1"/>
+                  </a:solidFill>
+                </a:ln>
+              </p:spPr>
+              <p:style>
+                <a:lnRef idx="2">
+                  <a:schemeClr val="accent1">
+                    <a:shade val="50000"/>
+                  </a:schemeClr>
+                </a:lnRef>
+                <a:fillRef idx="1">
+                  <a:schemeClr val="accent1"/>
+                </a:fillRef>
+                <a:effectRef idx="0">
+                  <a:schemeClr val="accent1"/>
+                </a:effectRef>
+                <a:fontRef idx="minor">
+                  <a:schemeClr val="lt1"/>
+                </a:fontRef>
+              </p:style>
+              <p:txBody>
+                <a:bodyPr rtlCol="0" anchor="ctr"/>
+                <a:lstStyle/>
+                <a:p>
+                  <a:pPr algn="ctr"/>
+                  <a:endParaRPr lang="zh-CN" altLang="en-US" sz="1600"/>
+                </a:p>
+              </p:txBody>
+            </p:sp>
+            <p:sp>
+              <p:nvSpPr>
+                <p:cNvPr id="15" name="矩形 14">
+                  <a:extLst>
+                    <a:ext uri="{FF2B5EF4-FFF2-40B4-BE49-F238E27FC236}">
+                      <a16:creationId xmlns:a16="http://schemas.microsoft.com/office/drawing/2014/main" id="{B50B224A-0F62-4733-94FC-234578E4B00A}"/>
+                    </a:ext>
+                  </a:extLst>
+                </p:cNvPr>
+                <p:cNvSpPr/>
+                <p:nvPr/>
+              </p:nvSpPr>
+              <p:spPr>
+                <a:xfrm>
+                  <a:off x="1108099" y="3344465"/>
+                  <a:ext cx="9613876" cy="169069"/>
+                </a:xfrm>
+                <a:prstGeom prst="rect">
+                  <a:avLst/>
+                </a:prstGeom>
+                <a:grpFill/>
+                <a:ln>
+                  <a:solidFill>
+                    <a:schemeClr val="accent1"/>
+                  </a:solidFill>
+                </a:ln>
+              </p:spPr>
+              <p:style>
+                <a:lnRef idx="2">
+                  <a:schemeClr val="accent1">
+                    <a:shade val="50000"/>
+                  </a:schemeClr>
+                </a:lnRef>
+                <a:fillRef idx="1">
+                  <a:schemeClr val="accent1"/>
+                </a:fillRef>
+                <a:effectRef idx="0">
+                  <a:schemeClr val="accent1"/>
+                </a:effectRef>
+                <a:fontRef idx="minor">
+                  <a:schemeClr val="lt1"/>
+                </a:fontRef>
+              </p:style>
+              <p:txBody>
+                <a:bodyPr rtlCol="0" anchor="ctr"/>
+                <a:lstStyle/>
+                <a:p>
+                  <a:pPr algn="ctr"/>
+                  <a:endParaRPr lang="zh-CN" altLang="en-US" sz="1600"/>
+                </a:p>
+              </p:txBody>
+            </p:sp>
+            <p:sp>
+              <p:nvSpPr>
+                <p:cNvPr id="16" name="矩形 15">
+                  <a:extLst>
+                    <a:ext uri="{FF2B5EF4-FFF2-40B4-BE49-F238E27FC236}">
+                      <a16:creationId xmlns:a16="http://schemas.microsoft.com/office/drawing/2014/main" id="{95BDF2F1-EC21-4DC1-B12D-362773042F82}"/>
+                    </a:ext>
+                  </a:extLst>
+                </p:cNvPr>
+                <p:cNvSpPr/>
+                <p:nvPr/>
+              </p:nvSpPr>
+              <p:spPr>
+                <a:xfrm>
+                  <a:off x="10994902" y="3344465"/>
+                  <a:ext cx="107093" cy="169069"/>
+                </a:xfrm>
+                <a:prstGeom prst="rect">
+                  <a:avLst/>
+                </a:prstGeom>
+                <a:grpFill/>
+                <a:ln>
+                  <a:solidFill>
+                    <a:schemeClr val="accent1"/>
+                  </a:solidFill>
+                </a:ln>
+              </p:spPr>
+              <p:style>
+                <a:lnRef idx="2">
+                  <a:schemeClr val="accent1">
+                    <a:shade val="50000"/>
+                  </a:schemeClr>
+                </a:lnRef>
+                <a:fillRef idx="1">
+                  <a:schemeClr val="accent1"/>
+                </a:fillRef>
+                <a:effectRef idx="0">
+                  <a:schemeClr val="accent1"/>
+                </a:effectRef>
+                <a:fontRef idx="minor">
+                  <a:schemeClr val="lt1"/>
+                </a:fontRef>
+              </p:style>
+              <p:txBody>
+                <a:bodyPr rtlCol="0" anchor="ctr"/>
+                <a:lstStyle/>
+                <a:p>
+                  <a:pPr algn="ctr"/>
+                  <a:endParaRPr lang="zh-CN" altLang="en-US" sz="1600"/>
+                </a:p>
+              </p:txBody>
+            </p:sp>
+            <p:sp>
+              <p:nvSpPr>
+                <p:cNvPr id="17" name="矩形 16">
+                  <a:extLst>
+                    <a:ext uri="{FF2B5EF4-FFF2-40B4-BE49-F238E27FC236}">
+                      <a16:creationId xmlns:a16="http://schemas.microsoft.com/office/drawing/2014/main" id="{90A22478-322F-4BE6-9100-B59E89EA7A95}"/>
+                    </a:ext>
+                  </a:extLst>
+                </p:cNvPr>
+                <p:cNvSpPr/>
+                <p:nvPr/>
+              </p:nvSpPr>
+              <p:spPr>
+                <a:xfrm>
+                  <a:off x="10759220" y="3344465"/>
+                  <a:ext cx="198437" cy="169069"/>
+                </a:xfrm>
+                <a:prstGeom prst="rect">
+                  <a:avLst/>
+                </a:prstGeom>
+                <a:grpFill/>
+                <a:ln>
+                  <a:solidFill>
+                    <a:schemeClr val="accent1"/>
+                  </a:solidFill>
+                </a:ln>
+              </p:spPr>
+              <p:style>
+                <a:lnRef idx="2">
+                  <a:schemeClr val="accent1">
+                    <a:shade val="50000"/>
+                  </a:schemeClr>
+                </a:lnRef>
+                <a:fillRef idx="1">
+                  <a:schemeClr val="accent1"/>
+                </a:fillRef>
+                <a:effectRef idx="0">
+                  <a:schemeClr val="accent1"/>
+                </a:effectRef>
+                <a:fontRef idx="minor">
+                  <a:schemeClr val="lt1"/>
+                </a:fontRef>
+              </p:style>
+              <p:txBody>
+                <a:bodyPr rtlCol="0" anchor="ctr"/>
+                <a:lstStyle/>
+                <a:p>
+                  <a:pPr algn="ctr"/>
+                  <a:endParaRPr lang="zh-CN" altLang="en-US" sz="1600"/>
+                </a:p>
+              </p:txBody>
+            </p:sp>
+            <p:sp>
+              <p:nvSpPr>
+                <p:cNvPr id="18" name="等腰三角形 17">
+                  <a:extLst>
+                    <a:ext uri="{FF2B5EF4-FFF2-40B4-BE49-F238E27FC236}">
+                      <a16:creationId xmlns:a16="http://schemas.microsoft.com/office/drawing/2014/main" id="{D6DD06DE-783D-4D6A-9F50-13101ADEFEEF}"/>
+                    </a:ext>
+                  </a:extLst>
+                </p:cNvPr>
+                <p:cNvSpPr/>
+                <p:nvPr/>
+              </p:nvSpPr>
+              <p:spPr>
+                <a:xfrm rot="5400000">
+                  <a:off x="11159803" y="3239763"/>
+                  <a:ext cx="438144" cy="378476"/>
+                </a:xfrm>
+                <a:prstGeom prst="triangle">
+                  <a:avLst/>
+                </a:prstGeom>
+                <a:grpFill/>
+                <a:ln>
+                  <a:solidFill>
+                    <a:schemeClr val="accent1"/>
+                  </a:solidFill>
+                </a:ln>
+              </p:spPr>
+              <p:style>
+                <a:lnRef idx="2">
+                  <a:schemeClr val="accent1">
+                    <a:shade val="50000"/>
+                  </a:schemeClr>
+                </a:lnRef>
+                <a:fillRef idx="1">
+                  <a:schemeClr val="accent1"/>
+                </a:fillRef>
+                <a:effectRef idx="0">
+                  <a:schemeClr val="accent1"/>
+                </a:effectRef>
+                <a:fontRef idx="minor">
+                  <a:schemeClr val="lt1"/>
+                </a:fontRef>
+              </p:style>
+              <p:txBody>
+                <a:bodyPr rtlCol="0" anchor="ctr"/>
+                <a:lstStyle/>
+                <a:p>
+                  <a:pPr algn="ctr"/>
+                  <a:endParaRPr lang="zh-CN" altLang="en-US" sz="1600"/>
+                </a:p>
+              </p:txBody>
+            </p:sp>
+          </p:grpSp>
+        </p:grpSp>
+        <p:sp>
+          <p:nvSpPr>
+            <p:cNvPr id="19" name="六边形 33">
+              <a:extLst>
+                <a:ext uri="{FF2B5EF4-FFF2-40B4-BE49-F238E27FC236}">
+                  <a16:creationId xmlns:a16="http://schemas.microsoft.com/office/drawing/2014/main" id="{1B40D036-E7FC-4C96-8A99-BB3F2E052840}"/>
+                </a:ext>
+              </a:extLst>
+            </p:cNvPr>
+            <p:cNvSpPr/>
+            <p:nvPr/>
+          </p:nvSpPr>
+          <p:spPr>
+            <a:xfrm rot="5400000">
+              <a:off x="1018457" y="2312806"/>
+              <a:ext cx="675904" cy="582505"/>
+            </a:xfrm>
+            <a:prstGeom prst="hexagon">
+              <a:avLst/>
+            </a:prstGeom>
+            <a:solidFill>
+              <a:srgbClr val="353336"/>
+            </a:solidFill>
+            <a:ln>
+              <a:noFill/>
+            </a:ln>
+          </p:spPr>
+          <p:style>
+            <a:lnRef idx="2">
+              <a:schemeClr val="accent1">
+                <a:shade val="50000"/>
+              </a:schemeClr>
+            </a:lnRef>
+            <a:fillRef idx="1">
+              <a:schemeClr val="accent1"/>
+            </a:fillRef>
+            <a:effectRef idx="0">
+              <a:schemeClr val="accent1"/>
+            </a:effectRef>
+            <a:fontRef idx="minor">
+              <a:schemeClr val="lt1"/>
+            </a:fontRef>
+          </p:style>
+          <p:txBody>
+            <a:bodyPr rtlCol="0" anchor="ctr"/>
+            <a:lstStyle/>
+            <a:p>
+              <a:pPr algn="ctr"/>
+              <a:endParaRPr lang="zh-CN" altLang="en-US" sz="1600" dirty="0">
+                <a:solidFill>
+                  <a:schemeClr val="bg1"/>
+                </a:solidFill>
+              </a:endParaRPr>
+            </a:p>
+          </p:txBody>
+        </p:sp>
+        <p:sp>
+          <p:nvSpPr>
+            <p:cNvPr id="3" name="文字方塊 2">
+              <a:extLst>
+                <a:ext uri="{FF2B5EF4-FFF2-40B4-BE49-F238E27FC236}">
+                  <a16:creationId xmlns:a16="http://schemas.microsoft.com/office/drawing/2014/main" id="{1D9C46E7-7AC0-465E-AAEB-0CFFB24EB698}"/>
+                </a:ext>
+              </a:extLst>
+            </p:cNvPr>
+            <p:cNvSpPr txBox="1"/>
+            <p:nvPr/>
+          </p:nvSpPr>
+          <p:spPr>
+            <a:xfrm>
+              <a:off x="1039906" y="2402542"/>
+              <a:ext cx="646331" cy="369332"/>
+            </a:xfrm>
+            <a:prstGeom prst="rect">
+              <a:avLst/>
+            </a:prstGeom>
+            <a:noFill/>
+          </p:spPr>
+          <p:txBody>
+            <a:bodyPr wrap="none" rtlCol="0">
+              <a:spAutoFit/>
+            </a:bodyPr>
+            <a:lstStyle/>
+            <a:p>
+              <a:r>
+                <a:rPr lang="zh-TW" altLang="en-US" dirty="0">
+                  <a:solidFill>
+                    <a:schemeClr val="bg1"/>
+                  </a:solidFill>
+                </a:rPr>
+                <a:t>期中</a:t>
+              </a:r>
+            </a:p>
+          </p:txBody>
+        </p:sp>
+        <p:sp>
+          <p:nvSpPr>
+            <p:cNvPr id="20" name="六边形 33">
+              <a:extLst>
+                <a:ext uri="{FF2B5EF4-FFF2-40B4-BE49-F238E27FC236}">
+                  <a16:creationId xmlns:a16="http://schemas.microsoft.com/office/drawing/2014/main" id="{A021A241-BDC8-4699-9591-DD7610084524}"/>
+                </a:ext>
+              </a:extLst>
+            </p:cNvPr>
+            <p:cNvSpPr/>
+            <p:nvPr/>
+          </p:nvSpPr>
+          <p:spPr>
+            <a:xfrm rot="5400000">
+              <a:off x="4864311" y="2294877"/>
+              <a:ext cx="675904" cy="582505"/>
+            </a:xfrm>
+            <a:prstGeom prst="hexagon">
+              <a:avLst/>
+            </a:prstGeom>
+            <a:solidFill>
+              <a:srgbClr val="353336"/>
+            </a:solidFill>
+            <a:ln>
+              <a:noFill/>
+            </a:ln>
+          </p:spPr>
+          <p:style>
+            <a:lnRef idx="2">
+              <a:schemeClr val="accent1">
+                <a:shade val="50000"/>
+              </a:schemeClr>
+            </a:lnRef>
+            <a:fillRef idx="1">
+              <a:schemeClr val="accent1"/>
+            </a:fillRef>
+            <a:effectRef idx="0">
+              <a:schemeClr val="accent1"/>
+            </a:effectRef>
+            <a:fontRef idx="minor">
+              <a:schemeClr val="lt1"/>
+            </a:fontRef>
+          </p:style>
+          <p:txBody>
+            <a:bodyPr rtlCol="0" anchor="ctr"/>
+            <a:lstStyle/>
+            <a:p>
+              <a:pPr algn="ctr"/>
+              <a:endParaRPr lang="zh-CN" altLang="en-US" sz="1600" dirty="0">
+                <a:solidFill>
+                  <a:schemeClr val="bg1"/>
+                </a:solidFill>
+              </a:endParaRPr>
+            </a:p>
+          </p:txBody>
+        </p:sp>
+        <p:sp>
+          <p:nvSpPr>
+            <p:cNvPr id="21" name="文字方塊 20">
+              <a:extLst>
+                <a:ext uri="{FF2B5EF4-FFF2-40B4-BE49-F238E27FC236}">
+                  <a16:creationId xmlns:a16="http://schemas.microsoft.com/office/drawing/2014/main" id="{30EC6821-9D78-409B-B7CD-49030FF45DBD}"/>
+                </a:ext>
+              </a:extLst>
+            </p:cNvPr>
+            <p:cNvSpPr txBox="1"/>
+            <p:nvPr/>
+          </p:nvSpPr>
+          <p:spPr>
+            <a:xfrm>
+              <a:off x="4885760" y="2384613"/>
+              <a:ext cx="646331" cy="369332"/>
+            </a:xfrm>
+            <a:prstGeom prst="rect">
+              <a:avLst/>
+            </a:prstGeom>
+            <a:noFill/>
+          </p:spPr>
+          <p:txBody>
+            <a:bodyPr wrap="none" rtlCol="0">
+              <a:spAutoFit/>
+            </a:bodyPr>
+            <a:lstStyle/>
+            <a:p>
+              <a:r>
+                <a:rPr lang="zh-TW" altLang="en-US" dirty="0">
+                  <a:solidFill>
+                    <a:schemeClr val="bg1"/>
+                  </a:solidFill>
+                </a:rPr>
+                <a:t>期末</a:t>
+              </a:r>
+            </a:p>
+          </p:txBody>
+        </p:sp>
+      </p:grpSp>
+      <p:grpSp>
+        <p:nvGrpSpPr>
+          <p:cNvPr id="28" name="群組 27">
+            <a:extLst>
+              <a:ext uri="{FF2B5EF4-FFF2-40B4-BE49-F238E27FC236}">
+                <a16:creationId xmlns:a16="http://schemas.microsoft.com/office/drawing/2014/main" id="{16D36A46-BDFD-458C-B6A6-DDA447095BA4}"/>
+              </a:ext>
+            </a:extLst>
+          </p:cNvPr>
+          <p:cNvGrpSpPr/>
+          <p:nvPr/>
+        </p:nvGrpSpPr>
+        <p:grpSpPr>
+          <a:xfrm>
+            <a:off x="1726455" y="3415550"/>
+            <a:ext cx="2879534" cy="688177"/>
+            <a:chOff x="1547160" y="2402542"/>
+            <a:chExt cx="2879534" cy="688177"/>
+          </a:xfrm>
+        </p:grpSpPr>
+        <p:grpSp>
+          <p:nvGrpSpPr>
+            <p:cNvPr id="27" name="群組 26">
+              <a:extLst>
+                <a:ext uri="{FF2B5EF4-FFF2-40B4-BE49-F238E27FC236}">
+                  <a16:creationId xmlns:a16="http://schemas.microsoft.com/office/drawing/2014/main" id="{826AEECD-E102-466D-AB3D-D374160AABF9}"/>
+                </a:ext>
+              </a:extLst>
+            </p:cNvPr>
+            <p:cNvGrpSpPr/>
+            <p:nvPr/>
+          </p:nvGrpSpPr>
+          <p:grpSpPr>
+            <a:xfrm>
+              <a:off x="1904534" y="2752165"/>
+              <a:ext cx="2522160" cy="338554"/>
+              <a:chOff x="2612746" y="2142565"/>
+              <a:chExt cx="2522160" cy="338554"/>
+            </a:xfrm>
+          </p:grpSpPr>
+          <p:sp>
+            <p:nvSpPr>
+              <p:cNvPr id="26" name="等腰三角形 25">
+                <a:extLst>
+                  <a:ext uri="{FF2B5EF4-FFF2-40B4-BE49-F238E27FC236}">
+                    <a16:creationId xmlns:a16="http://schemas.microsoft.com/office/drawing/2014/main" id="{511B71AB-8E88-4118-AB87-6D0CF7F4A802}"/>
+                  </a:ext>
+                </a:extLst>
+              </p:cNvPr>
+              <p:cNvSpPr/>
+              <p:nvPr/>
+            </p:nvSpPr>
+            <p:spPr>
+              <a:xfrm rot="5400000">
+                <a:off x="2599561" y="2267869"/>
+                <a:ext cx="129932" cy="103562"/>
+              </a:xfrm>
+              <a:prstGeom prst="triangle">
+                <a:avLst/>
+              </a:prstGeom>
+              <a:solidFill>
+                <a:schemeClr val="accent1"/>
+              </a:solidFill>
+              <a:ln>
+                <a:noFill/>
+              </a:ln>
+            </p:spPr>
+            <p:style>
+              <a:lnRef idx="2">
+                <a:schemeClr val="accent1">
+                  <a:shade val="50000"/>
+                </a:schemeClr>
+              </a:lnRef>
+              <a:fillRef idx="1">
+                <a:schemeClr val="accent1"/>
+              </a:fillRef>
+              <a:effectRef idx="0">
+                <a:schemeClr val="accent1"/>
+              </a:effectRef>
+              <a:fontRef idx="minor">
+                <a:schemeClr val="lt1"/>
+              </a:fontRef>
+            </p:style>
+            <p:txBody>
+              <a:bodyPr rtlCol="0" anchor="ctr"/>
+              <a:lstStyle/>
+              <a:p>
+                <a:pPr algn="ctr"/>
+                <a:endParaRPr lang="zh-CN" altLang="en-US">
+                  <a:latin typeface="微软雅黑" panose="020B0503020204020204" charset="-122"/>
+                  <a:ea typeface="微软雅黑" panose="020B0503020204020204" charset="-122"/>
+                  <a:cs typeface="微软雅黑" panose="020B0503020204020204" charset="-122"/>
+                </a:endParaRPr>
+              </a:p>
+            </p:txBody>
+          </p:sp>
+          <p:sp>
+            <p:nvSpPr>
+              <p:cNvPr id="6" name="文字方塊 5">
+                <a:extLst>
+                  <a:ext uri="{FF2B5EF4-FFF2-40B4-BE49-F238E27FC236}">
+                    <a16:creationId xmlns:a16="http://schemas.microsoft.com/office/drawing/2014/main" id="{5E4AF54C-72DC-40A5-9D83-6A68C69231DD}"/>
+                  </a:ext>
+                </a:extLst>
+              </p:cNvPr>
+              <p:cNvSpPr txBox="1"/>
+              <p:nvPr/>
+            </p:nvSpPr>
+            <p:spPr>
+              <a:xfrm>
+                <a:off x="2725272" y="2142565"/>
+                <a:ext cx="2409634" cy="338554"/>
+              </a:xfrm>
+              <a:prstGeom prst="rect">
+                <a:avLst/>
+              </a:prstGeom>
+              <a:noFill/>
+            </p:spPr>
+            <p:txBody>
+              <a:bodyPr wrap="none" rtlCol="0">
+                <a:spAutoFit/>
+              </a:bodyPr>
+              <a:lstStyle/>
+              <a:p>
+                <a:r>
+                  <a:rPr lang="en-US" altLang="zh-TW" sz="1600" dirty="0">
+                    <a:solidFill>
+                      <a:schemeClr val="tx1"/>
+                    </a:solidFill>
+                  </a:rPr>
+                  <a:t>Heston model </a:t>
+                </a:r>
+                <a:r>
+                  <a:rPr lang="zh-TW" altLang="en-US" sz="1600" dirty="0">
+                    <a:solidFill>
+                      <a:schemeClr val="tx1"/>
+                    </a:solidFill>
+                  </a:rPr>
+                  <a:t>歐式選擇權</a:t>
+                </a:r>
+                <a:endParaRPr lang="en-US" altLang="zh-TW" sz="1600" dirty="0">
+                  <a:solidFill>
+                    <a:schemeClr val="tx1"/>
+                  </a:solidFill>
+                </a:endParaRPr>
+              </a:p>
+            </p:txBody>
+          </p:sp>
+        </p:grpSp>
+        <p:sp>
+          <p:nvSpPr>
+            <p:cNvPr id="29" name="矩形 28">
+              <a:extLst>
+                <a:ext uri="{FF2B5EF4-FFF2-40B4-BE49-F238E27FC236}">
+                  <a16:creationId xmlns:a16="http://schemas.microsoft.com/office/drawing/2014/main" id="{B6BB5DCF-F81F-432E-9B71-521CD9B0A0BF}"/>
+                </a:ext>
+              </a:extLst>
+            </p:cNvPr>
+            <p:cNvSpPr/>
+            <p:nvPr/>
+          </p:nvSpPr>
+          <p:spPr>
+            <a:xfrm>
+              <a:off x="1547160" y="2402542"/>
+              <a:ext cx="792628" cy="295834"/>
+            </a:xfrm>
+            <a:prstGeom prst="rect">
+              <a:avLst/>
+            </a:prstGeom>
+          </p:spPr>
+          <p:style>
+            <a:lnRef idx="2">
+              <a:schemeClr val="accent1">
+                <a:shade val="50000"/>
+              </a:schemeClr>
+            </a:lnRef>
+            <a:fillRef idx="1">
+              <a:schemeClr val="accent1"/>
+            </a:fillRef>
+            <a:effectRef idx="0">
+              <a:schemeClr val="accent1"/>
+            </a:effectRef>
+            <a:fontRef idx="minor">
+              <a:schemeClr val="lt1"/>
+            </a:fontRef>
+          </p:style>
+          <p:txBody>
+            <a:bodyPr rtlCol="0" anchor="ctr"/>
+            <a:lstStyle/>
+            <a:p>
+              <a:r>
+                <a:rPr lang="zh-TW" altLang="en-US" sz="1600" dirty="0"/>
+                <a:t>黃冠綸</a:t>
+              </a:r>
+            </a:p>
+          </p:txBody>
+        </p:sp>
+      </p:grpSp>
+      <p:grpSp>
+        <p:nvGrpSpPr>
+          <p:cNvPr id="31" name="群組 30">
+            <a:extLst>
+              <a:ext uri="{FF2B5EF4-FFF2-40B4-BE49-F238E27FC236}">
+                <a16:creationId xmlns:a16="http://schemas.microsoft.com/office/drawing/2014/main" id="{00DE390E-D05C-4FFB-AA1B-8DDFFB1B0B6C}"/>
+              </a:ext>
+            </a:extLst>
+          </p:cNvPr>
+          <p:cNvGrpSpPr/>
+          <p:nvPr/>
+        </p:nvGrpSpPr>
+        <p:grpSpPr>
+          <a:xfrm>
+            <a:off x="1726455" y="4204445"/>
+            <a:ext cx="3068688" cy="688177"/>
+            <a:chOff x="1547160" y="2402542"/>
+            <a:chExt cx="3068688" cy="688177"/>
+          </a:xfrm>
+        </p:grpSpPr>
+        <p:grpSp>
+          <p:nvGrpSpPr>
+            <p:cNvPr id="32" name="群組 31">
+              <a:extLst>
+                <a:ext uri="{FF2B5EF4-FFF2-40B4-BE49-F238E27FC236}">
+                  <a16:creationId xmlns:a16="http://schemas.microsoft.com/office/drawing/2014/main" id="{A5465A4D-9FAA-4FA9-ADA5-DF4505BCB7B4}"/>
+                </a:ext>
+              </a:extLst>
+            </p:cNvPr>
+            <p:cNvGrpSpPr/>
+            <p:nvPr/>
+          </p:nvGrpSpPr>
+          <p:grpSpPr>
+            <a:xfrm>
+              <a:off x="1904534" y="2752165"/>
+              <a:ext cx="2711314" cy="338554"/>
+              <a:chOff x="2612746" y="2142565"/>
+              <a:chExt cx="2711314" cy="338554"/>
+            </a:xfrm>
+          </p:grpSpPr>
+          <p:sp>
+            <p:nvSpPr>
+              <p:cNvPr id="34" name="等腰三角形 33">
+                <a:extLst>
+                  <a:ext uri="{FF2B5EF4-FFF2-40B4-BE49-F238E27FC236}">
+                    <a16:creationId xmlns:a16="http://schemas.microsoft.com/office/drawing/2014/main" id="{29F1DAB7-0C40-4F6C-B344-0B1CA40E4691}"/>
+                  </a:ext>
+                </a:extLst>
+              </p:cNvPr>
+              <p:cNvSpPr/>
+              <p:nvPr/>
+            </p:nvSpPr>
+            <p:spPr>
+              <a:xfrm rot="5400000">
+                <a:off x="2599561" y="2267869"/>
+                <a:ext cx="129932" cy="103562"/>
+              </a:xfrm>
+              <a:prstGeom prst="triangle">
+                <a:avLst/>
+              </a:prstGeom>
+              <a:solidFill>
+                <a:schemeClr val="accent1"/>
+              </a:solidFill>
+              <a:ln>
+                <a:noFill/>
+              </a:ln>
+            </p:spPr>
+            <p:style>
+              <a:lnRef idx="2">
+                <a:schemeClr val="accent1">
+                  <a:shade val="50000"/>
+                </a:schemeClr>
+              </a:lnRef>
+              <a:fillRef idx="1">
+                <a:schemeClr val="accent1"/>
+              </a:fillRef>
+              <a:effectRef idx="0">
+                <a:schemeClr val="accent1"/>
+              </a:effectRef>
+              <a:fontRef idx="minor">
+                <a:schemeClr val="lt1"/>
+              </a:fontRef>
+            </p:style>
+            <p:txBody>
+              <a:bodyPr rtlCol="0" anchor="ctr"/>
+              <a:lstStyle/>
+              <a:p>
+                <a:pPr algn="ctr"/>
+                <a:endParaRPr lang="zh-CN" altLang="en-US">
+                  <a:latin typeface="微软雅黑" panose="020B0503020204020204" charset="-122"/>
+                  <a:ea typeface="微软雅黑" panose="020B0503020204020204" charset="-122"/>
+                  <a:cs typeface="微软雅黑" panose="020B0503020204020204" charset="-122"/>
+                </a:endParaRPr>
+              </a:p>
+            </p:txBody>
+          </p:sp>
+          <p:sp>
+            <p:nvSpPr>
+              <p:cNvPr id="35" name="文字方塊 34">
+                <a:extLst>
+                  <a:ext uri="{FF2B5EF4-FFF2-40B4-BE49-F238E27FC236}">
+                    <a16:creationId xmlns:a16="http://schemas.microsoft.com/office/drawing/2014/main" id="{AB4C1C1B-9120-4BC2-BED7-B37D057708B5}"/>
+                  </a:ext>
+                </a:extLst>
+              </p:cNvPr>
+              <p:cNvSpPr txBox="1"/>
+              <p:nvPr/>
+            </p:nvSpPr>
+            <p:spPr>
+              <a:xfrm>
+                <a:off x="2725272" y="2142565"/>
+                <a:ext cx="2598788" cy="338554"/>
+              </a:xfrm>
+              <a:prstGeom prst="rect">
+                <a:avLst/>
+              </a:prstGeom>
+              <a:noFill/>
+            </p:spPr>
+            <p:txBody>
+              <a:bodyPr wrap="none" rtlCol="0">
+                <a:spAutoFit/>
+              </a:bodyPr>
+              <a:lstStyle/>
+              <a:p>
+                <a:r>
+                  <a:rPr lang="en-US" altLang="zh-TW" sz="1600" dirty="0">
+                    <a:solidFill>
+                      <a:schemeClr val="tx1"/>
+                    </a:solidFill>
+                  </a:rPr>
+                  <a:t>BSM</a:t>
+                </a:r>
+                <a:r>
+                  <a:rPr lang="zh-TW" altLang="en-US" sz="1600" dirty="0">
+                    <a:solidFill>
+                      <a:schemeClr val="tx1"/>
+                    </a:solidFill>
+                  </a:rPr>
+                  <a:t> 亞式選擇權</a:t>
+                </a:r>
+                <a:r>
+                  <a:rPr lang="en-US" altLang="zh-TW" sz="1600" dirty="0">
+                    <a:solidFill>
+                      <a:schemeClr val="tx1"/>
+                    </a:solidFill>
+                  </a:rPr>
+                  <a:t>(Fix strike)</a:t>
+                </a:r>
+              </a:p>
+            </p:txBody>
+          </p:sp>
+        </p:grpSp>
+        <p:sp>
+          <p:nvSpPr>
+            <p:cNvPr id="33" name="矩形 32">
+              <a:extLst>
+                <a:ext uri="{FF2B5EF4-FFF2-40B4-BE49-F238E27FC236}">
+                  <a16:creationId xmlns:a16="http://schemas.microsoft.com/office/drawing/2014/main" id="{30FC611F-B9EE-4010-9757-103AF90D9774}"/>
+                </a:ext>
+              </a:extLst>
+            </p:cNvPr>
+            <p:cNvSpPr/>
+            <p:nvPr/>
+          </p:nvSpPr>
+          <p:spPr>
+            <a:xfrm>
+              <a:off x="1547160" y="2402542"/>
+              <a:ext cx="792628" cy="295834"/>
+            </a:xfrm>
+            <a:prstGeom prst="rect">
+              <a:avLst/>
+            </a:prstGeom>
+          </p:spPr>
+          <p:style>
+            <a:lnRef idx="2">
+              <a:schemeClr val="accent1">
+                <a:shade val="50000"/>
+              </a:schemeClr>
+            </a:lnRef>
+            <a:fillRef idx="1">
+              <a:schemeClr val="accent1"/>
+            </a:fillRef>
+            <a:effectRef idx="0">
+              <a:schemeClr val="accent1"/>
+            </a:effectRef>
+            <a:fontRef idx="minor">
+              <a:schemeClr val="lt1"/>
+            </a:fontRef>
+          </p:style>
+          <p:txBody>
+            <a:bodyPr rtlCol="0" anchor="ctr"/>
+            <a:lstStyle/>
+            <a:p>
+              <a:r>
+                <a:rPr lang="zh-TW" altLang="en-US" sz="1600" dirty="0"/>
+                <a:t>邱祥鴻</a:t>
+              </a:r>
+            </a:p>
+          </p:txBody>
+        </p:sp>
+      </p:grpSp>
+      <p:cxnSp>
+        <p:nvCxnSpPr>
+          <p:cNvPr id="47" name="接點: 肘形 46">
+            <a:extLst>
+              <a:ext uri="{FF2B5EF4-FFF2-40B4-BE49-F238E27FC236}">
+                <a16:creationId xmlns:a16="http://schemas.microsoft.com/office/drawing/2014/main" id="{2815583D-4066-4DD2-824C-03EFD8773ED0}"/>
+              </a:ext>
+            </a:extLst>
+          </p:cNvPr>
+          <p:cNvCxnSpPr>
+            <a:stCxn id="19" idx="0"/>
+            <a:endCxn id="29" idx="1"/>
+          </p:cNvCxnSpPr>
+          <p:nvPr/>
+        </p:nvCxnSpPr>
+        <p:spPr>
+          <a:xfrm rot="16200000" flipH="1">
+            <a:off x="1280007" y="3117018"/>
+            <a:ext cx="522851" cy="370046"/>
+          </a:xfrm>
+          <a:prstGeom prst="bentConnector2">
+            <a:avLst/>
+          </a:prstGeom>
+          <a:ln>
+            <a:tailEnd type="triangle"/>
+          </a:ln>
+        </p:spPr>
+        <p:style>
+          <a:lnRef idx="1">
+            <a:schemeClr val="accent1"/>
+          </a:lnRef>
+          <a:fillRef idx="0">
+            <a:schemeClr val="accent1"/>
+          </a:fillRef>
+          <a:effectRef idx="0">
+            <a:schemeClr val="accent1"/>
+          </a:effectRef>
+          <a:fontRef idx="minor">
+            <a:schemeClr val="tx1"/>
+          </a:fontRef>
+        </p:style>
+      </p:cxnSp>
+      <p:cxnSp>
+        <p:nvCxnSpPr>
+          <p:cNvPr id="48" name="接點: 肘形 47">
+            <a:extLst>
+              <a:ext uri="{FF2B5EF4-FFF2-40B4-BE49-F238E27FC236}">
+                <a16:creationId xmlns:a16="http://schemas.microsoft.com/office/drawing/2014/main" id="{51216927-7382-443D-9C16-92F3F449EC9E}"/>
+              </a:ext>
+            </a:extLst>
+          </p:cNvPr>
+          <p:cNvCxnSpPr>
+            <a:cxnSpLocks/>
+            <a:stCxn id="19" idx="0"/>
+            <a:endCxn id="33" idx="1"/>
+          </p:cNvCxnSpPr>
+          <p:nvPr/>
+        </p:nvCxnSpPr>
+        <p:spPr>
+          <a:xfrm rot="16200000" flipH="1">
+            <a:off x="885559" y="3511466"/>
+            <a:ext cx="1311746" cy="370046"/>
+          </a:xfrm>
+          <a:prstGeom prst="bentConnector2">
+            <a:avLst/>
+          </a:prstGeom>
+          <a:ln>
+            <a:tailEnd type="triangle"/>
+          </a:ln>
+        </p:spPr>
+        <p:style>
+          <a:lnRef idx="1">
+            <a:schemeClr val="accent1"/>
+          </a:lnRef>
+          <a:fillRef idx="0">
+            <a:schemeClr val="accent1"/>
+          </a:fillRef>
+          <a:effectRef idx="0">
+            <a:schemeClr val="accent1"/>
+          </a:effectRef>
+          <a:fontRef idx="minor">
+            <a:schemeClr val="tx1"/>
+          </a:fontRef>
+        </p:style>
+      </p:cxnSp>
+      <p:cxnSp>
+        <p:nvCxnSpPr>
+          <p:cNvPr id="65" name="接點: 肘形 64">
+            <a:extLst>
+              <a:ext uri="{FF2B5EF4-FFF2-40B4-BE49-F238E27FC236}">
+                <a16:creationId xmlns:a16="http://schemas.microsoft.com/office/drawing/2014/main" id="{FB6D189C-80D3-49B0-AE2F-3057D5BE9CC9}"/>
+              </a:ext>
+            </a:extLst>
+          </p:cNvPr>
+          <p:cNvCxnSpPr>
+            <a:cxnSpLocks/>
+            <a:stCxn id="20" idx="0"/>
+            <a:endCxn id="57" idx="1"/>
+          </p:cNvCxnSpPr>
+          <p:nvPr/>
+        </p:nvCxnSpPr>
+        <p:spPr>
+          <a:xfrm rot="16200000" flipH="1">
+            <a:off x="5134825" y="3090124"/>
+            <a:ext cx="531815" cy="396939"/>
+          </a:xfrm>
+          <a:prstGeom prst="bentConnector2">
+            <a:avLst/>
+          </a:prstGeom>
+          <a:ln>
+            <a:tailEnd type="triangle"/>
+          </a:ln>
+        </p:spPr>
+        <p:style>
+          <a:lnRef idx="1">
+            <a:schemeClr val="accent1"/>
+          </a:lnRef>
+          <a:fillRef idx="0">
+            <a:schemeClr val="accent1"/>
+          </a:fillRef>
+          <a:effectRef idx="0">
+            <a:schemeClr val="accent1"/>
+          </a:effectRef>
+          <a:fontRef idx="minor">
+            <a:schemeClr val="tx1"/>
+          </a:fontRef>
+        </p:style>
+      </p:cxnSp>
+      <p:grpSp>
+        <p:nvGrpSpPr>
+          <p:cNvPr id="71" name="群組 70">
+            <a:extLst>
+              <a:ext uri="{FF2B5EF4-FFF2-40B4-BE49-F238E27FC236}">
+                <a16:creationId xmlns:a16="http://schemas.microsoft.com/office/drawing/2014/main" id="{3C455AA9-7134-4610-8E62-A8F735703C21}"/>
+              </a:ext>
+            </a:extLst>
+          </p:cNvPr>
+          <p:cNvGrpSpPr/>
+          <p:nvPr/>
+        </p:nvGrpSpPr>
+        <p:grpSpPr>
+          <a:xfrm>
+            <a:off x="5599202" y="3406585"/>
+            <a:ext cx="3022975" cy="1737046"/>
+            <a:chOff x="5599202" y="3648639"/>
+            <a:chExt cx="3022975" cy="1737046"/>
+          </a:xfrm>
+        </p:grpSpPr>
+        <p:grpSp>
+          <p:nvGrpSpPr>
+            <p:cNvPr id="64" name="群組 63">
+              <a:extLst>
+                <a:ext uri="{FF2B5EF4-FFF2-40B4-BE49-F238E27FC236}">
+                  <a16:creationId xmlns:a16="http://schemas.microsoft.com/office/drawing/2014/main" id="{4BF1EED8-2FC8-4093-81B1-CB888770A03B}"/>
+                </a:ext>
+              </a:extLst>
+            </p:cNvPr>
+            <p:cNvGrpSpPr/>
+            <p:nvPr/>
+          </p:nvGrpSpPr>
+          <p:grpSpPr>
+            <a:xfrm>
+              <a:off x="5599202" y="3648639"/>
+              <a:ext cx="3022975" cy="1387426"/>
+              <a:chOff x="5599202" y="3648639"/>
+              <a:chExt cx="3022975" cy="1387426"/>
+            </a:xfrm>
+          </p:grpSpPr>
+          <p:grpSp>
+            <p:nvGrpSpPr>
+              <p:cNvPr id="55" name="群組 54">
+                <a:extLst>
+                  <a:ext uri="{FF2B5EF4-FFF2-40B4-BE49-F238E27FC236}">
+                    <a16:creationId xmlns:a16="http://schemas.microsoft.com/office/drawing/2014/main" id="{2E9531BF-FCFA-43ED-B91C-967E6915571E}"/>
+                  </a:ext>
+                </a:extLst>
+              </p:cNvPr>
+              <p:cNvGrpSpPr/>
+              <p:nvPr/>
+            </p:nvGrpSpPr>
+            <p:grpSpPr>
+              <a:xfrm>
+                <a:off x="5599202" y="3648639"/>
+                <a:ext cx="1618743" cy="688177"/>
+                <a:chOff x="1403720" y="2402542"/>
+                <a:chExt cx="1618743" cy="688177"/>
+              </a:xfrm>
+            </p:grpSpPr>
+            <p:grpSp>
+              <p:nvGrpSpPr>
+                <p:cNvPr id="56" name="群組 55">
+                  <a:extLst>
+                    <a:ext uri="{FF2B5EF4-FFF2-40B4-BE49-F238E27FC236}">
+                      <a16:creationId xmlns:a16="http://schemas.microsoft.com/office/drawing/2014/main" id="{CCB691C0-5298-4B8D-B659-DE5426EAFDF8}"/>
+                    </a:ext>
+                  </a:extLst>
+                </p:cNvPr>
+                <p:cNvGrpSpPr/>
+                <p:nvPr/>
+              </p:nvGrpSpPr>
+              <p:grpSpPr>
+                <a:xfrm>
+                  <a:off x="1904534" y="2752165"/>
+                  <a:ext cx="1117929" cy="338554"/>
+                  <a:chOff x="2612746" y="2142565"/>
+                  <a:chExt cx="1117929" cy="338554"/>
+                </a:xfrm>
+              </p:grpSpPr>
+              <p:sp>
+                <p:nvSpPr>
+                  <p:cNvPr id="58" name="等腰三角形 57">
+                    <a:extLst>
+                      <a:ext uri="{FF2B5EF4-FFF2-40B4-BE49-F238E27FC236}">
+                        <a16:creationId xmlns:a16="http://schemas.microsoft.com/office/drawing/2014/main" id="{AB230D19-C08A-441F-83A0-04CA29D71A82}"/>
+                      </a:ext>
+                    </a:extLst>
+                  </p:cNvPr>
+                  <p:cNvSpPr/>
+                  <p:nvPr/>
+                </p:nvSpPr>
+                <p:spPr>
+                  <a:xfrm rot="5400000">
+                    <a:off x="2599561" y="2267869"/>
+                    <a:ext cx="129932" cy="103562"/>
+                  </a:xfrm>
+                  <a:prstGeom prst="triangle">
+                    <a:avLst/>
+                  </a:prstGeom>
+                  <a:solidFill>
+                    <a:schemeClr val="accent1"/>
+                  </a:solidFill>
+                  <a:ln>
+                    <a:noFill/>
+                  </a:ln>
+                </p:spPr>
+                <p:style>
+                  <a:lnRef idx="2">
+                    <a:schemeClr val="accent1">
+                      <a:shade val="50000"/>
+                    </a:schemeClr>
+                  </a:lnRef>
+                  <a:fillRef idx="1">
+                    <a:schemeClr val="accent1"/>
+                  </a:fillRef>
+                  <a:effectRef idx="0">
+                    <a:schemeClr val="accent1"/>
+                  </a:effectRef>
+                  <a:fontRef idx="minor">
+                    <a:schemeClr val="lt1"/>
+                  </a:fontRef>
+                </p:style>
+                <p:txBody>
+                  <a:bodyPr rtlCol="0" anchor="ctr"/>
+                  <a:lstStyle/>
+                  <a:p>
+                    <a:pPr algn="ctr"/>
+                    <a:endParaRPr lang="zh-CN" altLang="en-US">
+                      <a:latin typeface="微软雅黑" panose="020B0503020204020204" charset="-122"/>
+                      <a:ea typeface="微软雅黑" panose="020B0503020204020204" charset="-122"/>
+                      <a:cs typeface="微软雅黑" panose="020B0503020204020204" charset="-122"/>
+                    </a:endParaRPr>
+                  </a:p>
+                </p:txBody>
+              </p:sp>
+              <p:sp>
+                <p:nvSpPr>
+                  <p:cNvPr id="59" name="文字方塊 58">
+                    <a:extLst>
+                      <a:ext uri="{FF2B5EF4-FFF2-40B4-BE49-F238E27FC236}">
+                        <a16:creationId xmlns:a16="http://schemas.microsoft.com/office/drawing/2014/main" id="{CCEEFD3D-B519-4530-8B7B-CB8CF9A06D6E}"/>
+                      </a:ext>
+                    </a:extLst>
+                  </p:cNvPr>
+                  <p:cNvSpPr txBox="1"/>
+                  <p:nvPr/>
+                </p:nvSpPr>
+                <p:spPr>
+                  <a:xfrm>
+                    <a:off x="2725272" y="2142565"/>
+                    <a:ext cx="1005403" cy="338554"/>
+                  </a:xfrm>
+                  <a:prstGeom prst="rect">
+                    <a:avLst/>
+                  </a:prstGeom>
+                  <a:noFill/>
+                </p:spPr>
+                <p:txBody>
+                  <a:bodyPr wrap="none" rtlCol="0">
+                    <a:spAutoFit/>
+                  </a:bodyPr>
+                  <a:lstStyle/>
+                  <a:p>
+                    <a:r>
+                      <a:rPr lang="zh-TW" altLang="en-US" sz="1600" dirty="0">
+                        <a:solidFill>
+                          <a:schemeClr val="tx1"/>
+                        </a:solidFill>
+                      </a:rPr>
+                      <a:t>平行處理</a:t>
+                    </a:r>
+                    <a:endParaRPr lang="en-US" altLang="zh-TW" sz="1600" dirty="0">
+                      <a:solidFill>
+                        <a:schemeClr val="tx1"/>
+                      </a:solidFill>
+                    </a:endParaRPr>
+                  </a:p>
+                </p:txBody>
+              </p:sp>
+            </p:grpSp>
+            <p:sp>
+              <p:nvSpPr>
+                <p:cNvPr id="57" name="矩形 56">
+                  <a:extLst>
+                    <a:ext uri="{FF2B5EF4-FFF2-40B4-BE49-F238E27FC236}">
+                      <a16:creationId xmlns:a16="http://schemas.microsoft.com/office/drawing/2014/main" id="{BE7D595C-7A56-41C8-B585-E70DCEDD104D}"/>
+                    </a:ext>
+                  </a:extLst>
+                </p:cNvPr>
+                <p:cNvSpPr/>
+                <p:nvPr/>
+              </p:nvSpPr>
+              <p:spPr>
+                <a:xfrm>
+                  <a:off x="1403720" y="2402542"/>
+                  <a:ext cx="1007782" cy="295834"/>
+                </a:xfrm>
+                <a:prstGeom prst="rect">
+                  <a:avLst/>
+                </a:prstGeom>
+              </p:spPr>
+              <p:style>
+                <a:lnRef idx="2">
+                  <a:schemeClr val="accent1">
+                    <a:shade val="50000"/>
+                  </a:schemeClr>
+                </a:lnRef>
+                <a:fillRef idx="1">
+                  <a:schemeClr val="accent1"/>
+                </a:fillRef>
+                <a:effectRef idx="0">
+                  <a:schemeClr val="accent1"/>
+                </a:effectRef>
+                <a:fontRef idx="minor">
+                  <a:schemeClr val="lt1"/>
+                </a:fontRef>
+              </p:style>
+              <p:txBody>
+                <a:bodyPr rtlCol="0" anchor="ctr"/>
+                <a:lstStyle/>
+                <a:p>
+                  <a:r>
+                    <a:rPr lang="zh-TW" altLang="en-US" sz="1600" dirty="0"/>
+                    <a:t>新增項目</a:t>
+                  </a:r>
+                </a:p>
+              </p:txBody>
+            </p:sp>
+          </p:grpSp>
+          <p:sp>
+            <p:nvSpPr>
+              <p:cNvPr id="60" name="等腰三角形 59">
+                <a:extLst>
+                  <a:ext uri="{FF2B5EF4-FFF2-40B4-BE49-F238E27FC236}">
+                    <a16:creationId xmlns:a16="http://schemas.microsoft.com/office/drawing/2014/main" id="{6F78735F-B376-435C-A530-0CEF7884AD08}"/>
+                  </a:ext>
+                </a:extLst>
+              </p:cNvPr>
+              <p:cNvSpPr/>
+              <p:nvPr/>
+            </p:nvSpPr>
+            <p:spPr>
+              <a:xfrm rot="5400000">
+                <a:off x="6086832" y="4473189"/>
+                <a:ext cx="129932" cy="103562"/>
+              </a:xfrm>
+              <a:prstGeom prst="triangle">
+                <a:avLst/>
+              </a:prstGeom>
+              <a:solidFill>
+                <a:schemeClr val="accent1"/>
+              </a:solidFill>
+              <a:ln>
+                <a:noFill/>
+              </a:ln>
+            </p:spPr>
+            <p:style>
+              <a:lnRef idx="2">
+                <a:schemeClr val="accent1">
+                  <a:shade val="50000"/>
+                </a:schemeClr>
+              </a:lnRef>
+              <a:fillRef idx="1">
+                <a:schemeClr val="accent1"/>
+              </a:fillRef>
+              <a:effectRef idx="0">
+                <a:schemeClr val="accent1"/>
+              </a:effectRef>
+              <a:fontRef idx="minor">
+                <a:schemeClr val="lt1"/>
+              </a:fontRef>
+            </p:style>
+            <p:txBody>
+              <a:bodyPr rtlCol="0" anchor="ctr"/>
+              <a:lstStyle/>
+              <a:p>
+                <a:pPr algn="ctr"/>
+                <a:endParaRPr lang="zh-CN" altLang="en-US">
+                  <a:latin typeface="微软雅黑" panose="020B0503020204020204" charset="-122"/>
+                  <a:ea typeface="微软雅黑" panose="020B0503020204020204" charset="-122"/>
+                  <a:cs typeface="微软雅黑" panose="020B0503020204020204" charset="-122"/>
+                </a:endParaRPr>
+              </a:p>
+            </p:txBody>
+          </p:sp>
+          <p:sp>
+            <p:nvSpPr>
+              <p:cNvPr id="61" name="文字方塊 60">
+                <a:extLst>
+                  <a:ext uri="{FF2B5EF4-FFF2-40B4-BE49-F238E27FC236}">
+                    <a16:creationId xmlns:a16="http://schemas.microsoft.com/office/drawing/2014/main" id="{AC284F12-44D9-4125-BC5C-523BD9DEA065}"/>
+                  </a:ext>
+                </a:extLst>
+              </p:cNvPr>
+              <p:cNvSpPr txBox="1"/>
+              <p:nvPr/>
+            </p:nvSpPr>
+            <p:spPr>
+              <a:xfrm>
+                <a:off x="6212543" y="4347885"/>
+                <a:ext cx="2409634" cy="338554"/>
+              </a:xfrm>
+              <a:prstGeom prst="rect">
+                <a:avLst/>
+              </a:prstGeom>
+              <a:noFill/>
+            </p:spPr>
+            <p:txBody>
+              <a:bodyPr wrap="none" rtlCol="0">
+                <a:spAutoFit/>
+              </a:bodyPr>
+              <a:lstStyle/>
+              <a:p>
+                <a:r>
+                  <a:rPr lang="en-US" altLang="zh-TW" sz="1600" dirty="0">
+                    <a:solidFill>
+                      <a:schemeClr val="tx1"/>
+                    </a:solidFill>
+                  </a:rPr>
+                  <a:t>Heston model </a:t>
+                </a:r>
+                <a:r>
+                  <a:rPr lang="zh-TW" altLang="en-US" sz="1600" dirty="0">
+                    <a:solidFill>
+                      <a:schemeClr val="tx1"/>
+                    </a:solidFill>
+                  </a:rPr>
+                  <a:t>亞式選擇權</a:t>
+                </a:r>
+                <a:endParaRPr lang="en-US" altLang="zh-TW" sz="1600" dirty="0">
+                  <a:solidFill>
+                    <a:schemeClr val="tx1"/>
+                  </a:solidFill>
+                </a:endParaRPr>
+              </a:p>
+            </p:txBody>
+          </p:sp>
+          <p:sp>
+            <p:nvSpPr>
+              <p:cNvPr id="62" name="等腰三角形 61">
+                <a:extLst>
+                  <a:ext uri="{FF2B5EF4-FFF2-40B4-BE49-F238E27FC236}">
+                    <a16:creationId xmlns:a16="http://schemas.microsoft.com/office/drawing/2014/main" id="{7F818CA0-3D85-4884-8EDF-EFCE222D0EED}"/>
+                  </a:ext>
+                </a:extLst>
+              </p:cNvPr>
+              <p:cNvSpPr/>
+              <p:nvPr/>
+            </p:nvSpPr>
+            <p:spPr>
+              <a:xfrm rot="5400000">
+                <a:off x="6086830" y="4813850"/>
+                <a:ext cx="129932" cy="103562"/>
+              </a:xfrm>
+              <a:prstGeom prst="triangle">
+                <a:avLst/>
+              </a:prstGeom>
+              <a:solidFill>
+                <a:schemeClr val="accent1"/>
+              </a:solidFill>
+              <a:ln>
+                <a:noFill/>
+              </a:ln>
+            </p:spPr>
+            <p:style>
+              <a:lnRef idx="2">
+                <a:schemeClr val="accent1">
+                  <a:shade val="50000"/>
+                </a:schemeClr>
+              </a:lnRef>
+              <a:fillRef idx="1">
+                <a:schemeClr val="accent1"/>
+              </a:fillRef>
+              <a:effectRef idx="0">
+                <a:schemeClr val="accent1"/>
+              </a:effectRef>
+              <a:fontRef idx="minor">
+                <a:schemeClr val="lt1"/>
+              </a:fontRef>
+            </p:style>
+            <p:txBody>
+              <a:bodyPr rtlCol="0" anchor="ctr"/>
+              <a:lstStyle/>
+              <a:p>
+                <a:pPr algn="ctr"/>
+                <a:endParaRPr lang="zh-CN" altLang="en-US">
+                  <a:latin typeface="微软雅黑" panose="020B0503020204020204" charset="-122"/>
+                  <a:ea typeface="微软雅黑" panose="020B0503020204020204" charset="-122"/>
+                  <a:cs typeface="微软雅黑" panose="020B0503020204020204" charset="-122"/>
+                </a:endParaRPr>
+              </a:p>
+            </p:txBody>
+          </p:sp>
+          <p:sp>
+            <p:nvSpPr>
+              <p:cNvPr id="63" name="文字方塊 62">
+                <a:extLst>
+                  <a:ext uri="{FF2B5EF4-FFF2-40B4-BE49-F238E27FC236}">
+                    <a16:creationId xmlns:a16="http://schemas.microsoft.com/office/drawing/2014/main" id="{781448A0-599A-49B3-96B7-363E13DD11C3}"/>
+                  </a:ext>
+                </a:extLst>
+              </p:cNvPr>
+              <p:cNvSpPr txBox="1"/>
+              <p:nvPr/>
+            </p:nvSpPr>
+            <p:spPr>
+              <a:xfrm>
+                <a:off x="6212541" y="4697511"/>
+                <a:ext cx="2281394" cy="338554"/>
+              </a:xfrm>
+              <a:prstGeom prst="rect">
+                <a:avLst/>
+              </a:prstGeom>
+              <a:noFill/>
+            </p:spPr>
+            <p:txBody>
+              <a:bodyPr wrap="none" rtlCol="0">
+                <a:spAutoFit/>
+              </a:bodyPr>
+              <a:lstStyle/>
+              <a:p>
+                <a:r>
+                  <a:rPr lang="zh-TW" altLang="en-US" sz="1600" dirty="0"/>
+                  <a:t>亞</a:t>
+                </a:r>
+                <a:r>
+                  <a:rPr lang="zh-TW" altLang="en-US" sz="1600" dirty="0">
+                    <a:solidFill>
+                      <a:schemeClr val="tx1"/>
+                    </a:solidFill>
+                  </a:rPr>
+                  <a:t>式選擇權</a:t>
+                </a:r>
+                <a:r>
+                  <a:rPr lang="en-US" altLang="zh-TW" sz="1600" dirty="0">
+                    <a:solidFill>
+                      <a:schemeClr val="tx1"/>
+                    </a:solidFill>
+                  </a:rPr>
+                  <a:t>(Float strike)</a:t>
+                </a:r>
+              </a:p>
+            </p:txBody>
+          </p:sp>
+        </p:grpSp>
+        <p:grpSp>
+          <p:nvGrpSpPr>
+            <p:cNvPr id="70" name="群組 69">
+              <a:extLst>
+                <a:ext uri="{FF2B5EF4-FFF2-40B4-BE49-F238E27FC236}">
+                  <a16:creationId xmlns:a16="http://schemas.microsoft.com/office/drawing/2014/main" id="{0D2DBF04-C85B-4D24-A83B-47AE822D31A9}"/>
+                </a:ext>
+              </a:extLst>
+            </p:cNvPr>
+            <p:cNvGrpSpPr/>
+            <p:nvPr/>
+          </p:nvGrpSpPr>
+          <p:grpSpPr>
+            <a:xfrm>
+              <a:off x="6100013" y="5047131"/>
+              <a:ext cx="1323114" cy="338554"/>
+              <a:chOff x="6100013" y="5047131"/>
+              <a:chExt cx="1323114" cy="338554"/>
+            </a:xfrm>
+          </p:grpSpPr>
+          <p:sp>
+            <p:nvSpPr>
+              <p:cNvPr id="68" name="等腰三角形 67">
+                <a:extLst>
+                  <a:ext uri="{FF2B5EF4-FFF2-40B4-BE49-F238E27FC236}">
+                    <a16:creationId xmlns:a16="http://schemas.microsoft.com/office/drawing/2014/main" id="{C78B8592-A3A8-482E-82AB-80013224F7DA}"/>
+                  </a:ext>
+                </a:extLst>
+              </p:cNvPr>
+              <p:cNvSpPr/>
+              <p:nvPr/>
+            </p:nvSpPr>
+            <p:spPr>
+              <a:xfrm rot="5400000">
+                <a:off x="6086828" y="5163470"/>
+                <a:ext cx="129932" cy="103562"/>
+              </a:xfrm>
+              <a:prstGeom prst="triangle">
+                <a:avLst/>
+              </a:prstGeom>
+              <a:solidFill>
+                <a:schemeClr val="accent1"/>
+              </a:solidFill>
+              <a:ln>
+                <a:noFill/>
+              </a:ln>
+            </p:spPr>
+            <p:style>
+              <a:lnRef idx="2">
+                <a:schemeClr val="accent1">
+                  <a:shade val="50000"/>
+                </a:schemeClr>
+              </a:lnRef>
+              <a:fillRef idx="1">
+                <a:schemeClr val="accent1"/>
+              </a:fillRef>
+              <a:effectRef idx="0">
+                <a:schemeClr val="accent1"/>
+              </a:effectRef>
+              <a:fontRef idx="minor">
+                <a:schemeClr val="lt1"/>
+              </a:fontRef>
+            </p:style>
+            <p:txBody>
+              <a:bodyPr rtlCol="0" anchor="ctr"/>
+              <a:lstStyle/>
+              <a:p>
+                <a:pPr algn="ctr"/>
+                <a:endParaRPr lang="zh-CN" altLang="en-US">
+                  <a:latin typeface="微软雅黑" panose="020B0503020204020204" charset="-122"/>
+                  <a:ea typeface="微软雅黑" panose="020B0503020204020204" charset="-122"/>
+                  <a:cs typeface="微软雅黑" panose="020B0503020204020204" charset="-122"/>
+                </a:endParaRPr>
+              </a:p>
+            </p:txBody>
+          </p:sp>
+          <p:sp>
+            <p:nvSpPr>
+              <p:cNvPr id="69" name="文字方塊 68">
+                <a:extLst>
+                  <a:ext uri="{FF2B5EF4-FFF2-40B4-BE49-F238E27FC236}">
+                    <a16:creationId xmlns:a16="http://schemas.microsoft.com/office/drawing/2014/main" id="{D7CD5BB6-7A9F-4457-8563-2E4B0731EDE7}"/>
+                  </a:ext>
+                </a:extLst>
+              </p:cNvPr>
+              <p:cNvSpPr txBox="1"/>
+              <p:nvPr/>
+            </p:nvSpPr>
+            <p:spPr>
+              <a:xfrm>
+                <a:off x="6212539" y="5047131"/>
+                <a:ext cx="1210588" cy="338554"/>
+              </a:xfrm>
+              <a:prstGeom prst="rect">
+                <a:avLst/>
+              </a:prstGeom>
+              <a:noFill/>
+            </p:spPr>
+            <p:txBody>
+              <a:bodyPr wrap="none" rtlCol="0">
+                <a:spAutoFit/>
+              </a:bodyPr>
+              <a:lstStyle/>
+              <a:p>
+                <a:r>
+                  <a:rPr lang="zh-TW" altLang="en-US" sz="1600" dirty="0"/>
+                  <a:t>美式</a:t>
+                </a:r>
+                <a:r>
+                  <a:rPr lang="zh-TW" altLang="en-US" sz="1600" dirty="0">
+                    <a:solidFill>
+                      <a:schemeClr val="tx1"/>
+                    </a:solidFill>
+                  </a:rPr>
+                  <a:t>選擇權</a:t>
+                </a:r>
+                <a:endParaRPr lang="en-US" altLang="zh-TW" sz="1600" dirty="0">
+                  <a:solidFill>
+                    <a:schemeClr val="tx1"/>
+                  </a:solidFill>
+                </a:endParaRPr>
+              </a:p>
+            </p:txBody>
+          </p:sp>
+        </p:grpSp>
+      </p:grpSp>
+    </p:spTree>
+    <p:extLst>
+      <p:ext uri="{BB962C8B-B14F-4D97-AF65-F5344CB8AC3E}">
+        <p14:creationId xmlns:p14="http://schemas.microsoft.com/office/powerpoint/2010/main" val="1375684663"/>
+      </p:ext>
+    </p:extLst>
+  </p:cSld>
+  <p:clrMapOvr>
+    <a:masterClrMapping/>
+  </p:clrMapOvr>
+</p:sld>
+</file>
+
+<file path=ppt/slides/slide16.xml><?xml version="1.0" encoding="utf-8"?>
+<p:sld xmlns:a="http://schemas.openxmlformats.org/drawingml/2006/main" xmlns:r="http://schemas.openxmlformats.org/officeDocument/2006/relationships" xmlns:p="http://schemas.openxmlformats.org/presentationml/2006/main">
+  <p:cSld>
+    <p:spTree>
+      <p:nvGrpSpPr>
+        <p:cNvPr id="1" name=""/>
+        <p:cNvGrpSpPr/>
+        <p:nvPr/>
+      </p:nvGrpSpPr>
+      <p:grpSpPr>
+        <a:xfrm>
+          <a:off x="0" y="0"/>
+          <a:ext cx="0" cy="0"/>
+          <a:chOff x="0" y="0"/>
+          <a:chExt cx="0" cy="0"/>
+        </a:xfrm>
+      </p:grpSpPr>
+      <p:sp>
+        <p:nvSpPr>
+          <p:cNvPr id="2" name="標題 1">
+            <a:extLst>
+              <a:ext uri="{FF2B5EF4-FFF2-40B4-BE49-F238E27FC236}">
+                <a16:creationId xmlns:a16="http://schemas.microsoft.com/office/drawing/2014/main" id="{A0076CE4-A93C-4C22-A496-6E79A9CE40E8}"/>
+              </a:ext>
+            </a:extLst>
+          </p:cNvPr>
+          <p:cNvSpPr>
+            <a:spLocks noGrp="1"/>
+          </p:cNvSpPr>
+          <p:nvPr>
+            <p:ph type="title"/>
+          </p:nvPr>
+        </p:nvSpPr>
+        <p:spPr>
+          <a:xfrm>
+            <a:off x="800100" y="389948"/>
+            <a:ext cx="7543800" cy="702302"/>
+          </a:xfrm>
+        </p:spPr>
+        <p:txBody>
+          <a:bodyPr/>
+          <a:lstStyle/>
+          <a:p>
+            <a:r>
+              <a:rPr lang="zh-TW" altLang="en-US" dirty="0">
+                <a:latin typeface="+mj-lt"/>
+              </a:rPr>
+              <a:t>運算速度差別</a:t>
+            </a:r>
+          </a:p>
+        </p:txBody>
+      </p:sp>
+      <p:sp>
+        <p:nvSpPr>
+          <p:cNvPr id="4" name="投影片編號版面配置區 3">
+            <a:extLst>
+              <a:ext uri="{FF2B5EF4-FFF2-40B4-BE49-F238E27FC236}">
+                <a16:creationId xmlns:a16="http://schemas.microsoft.com/office/drawing/2014/main" id="{AC44FAA6-29F4-48E0-8EFD-731F23604357}"/>
+              </a:ext>
+            </a:extLst>
+          </p:cNvPr>
+          <p:cNvSpPr>
+            <a:spLocks noGrp="1"/>
+          </p:cNvSpPr>
+          <p:nvPr>
+            <p:ph type="sldNum" sz="quarter" idx="12"/>
+          </p:nvPr>
+        </p:nvSpPr>
+        <p:spPr/>
+        <p:txBody>
+          <a:bodyPr/>
+          <a:lstStyle/>
+          <a:p>
+            <a:fld id="{12C7F30D-11D9-4941-9C2B-DBF4D7E3F2A5}" type="slidenum">
+              <a:rPr lang="zh-TW" altLang="en-US" smtClean="0">
+                <a:latin typeface="+mj-lt"/>
+              </a:rPr>
+              <a:t>16</a:t>
+            </a:fld>
+            <a:endParaRPr lang="zh-TW" altLang="en-US">
+              <a:latin typeface="+mj-lt"/>
+            </a:endParaRPr>
+          </a:p>
+        </p:txBody>
+      </p:sp>
+      <p:pic>
+        <p:nvPicPr>
+          <p:cNvPr id="6" name="圖片 5">
+            <a:extLst>
+              <a:ext uri="{FF2B5EF4-FFF2-40B4-BE49-F238E27FC236}">
+                <a16:creationId xmlns:a16="http://schemas.microsoft.com/office/drawing/2014/main" id="{952ED4ED-DCF6-497A-B8B6-C0CE5D12E3D0}"/>
+              </a:ext>
+            </a:extLst>
+          </p:cNvPr>
+          <p:cNvPicPr>
+            <a:picLocks noChangeAspect="1"/>
+          </p:cNvPicPr>
+          <p:nvPr/>
+        </p:nvPicPr>
+        <p:blipFill>
+          <a:blip r:embed="rId2">
+            <a:extLst>
+              <a:ext uri="{28A0092B-C50C-407E-A947-70E740481C1C}">
+                <a14:useLocalDpi xmlns:a14="http://schemas.microsoft.com/office/drawing/2010/main" val="0"/>
+              </a:ext>
+            </a:extLst>
+          </a:blip>
+          <a:stretch>
+            <a:fillRect/>
+          </a:stretch>
+        </p:blipFill>
+        <p:spPr>
+          <a:xfrm>
+            <a:off x="73445" y="2008095"/>
+            <a:ext cx="4361544" cy="2913529"/>
+          </a:xfrm>
+          <a:prstGeom prst="rect">
+            <a:avLst/>
+          </a:prstGeom>
+        </p:spPr>
+      </p:pic>
+      <p:pic>
+        <p:nvPicPr>
+          <p:cNvPr id="22" name="圖片 21">
+            <a:extLst>
+              <a:ext uri="{FF2B5EF4-FFF2-40B4-BE49-F238E27FC236}">
+                <a16:creationId xmlns:a16="http://schemas.microsoft.com/office/drawing/2014/main" id="{FF27F9BD-80E4-4DB4-B21F-E07F70F2F4C5}"/>
+              </a:ext>
+            </a:extLst>
+          </p:cNvPr>
+          <p:cNvPicPr>
+            <a:picLocks noChangeAspect="1"/>
+          </p:cNvPicPr>
+          <p:nvPr/>
+        </p:nvPicPr>
+        <p:blipFill rotWithShape="1">
+          <a:blip r:embed="rId3"/>
+          <a:srcRect l="707" t="829"/>
+          <a:stretch/>
+        </p:blipFill>
+        <p:spPr>
+          <a:xfrm>
+            <a:off x="4680888" y="2034985"/>
+            <a:ext cx="4343916" cy="2897826"/>
+          </a:xfrm>
+          <a:prstGeom prst="rect">
+            <a:avLst/>
+          </a:prstGeom>
+          <a:ln w="12700">
+            <a:solidFill>
+              <a:schemeClr val="tx1"/>
+            </a:solidFill>
+          </a:ln>
+        </p:spPr>
+      </p:pic>
+      <p:sp>
+        <p:nvSpPr>
+          <p:cNvPr id="23" name="矩形 22">
+            <a:extLst>
+              <a:ext uri="{FF2B5EF4-FFF2-40B4-BE49-F238E27FC236}">
+                <a16:creationId xmlns:a16="http://schemas.microsoft.com/office/drawing/2014/main" id="{F89660D5-9500-48C9-B225-EEC94E72A61F}"/>
               </a:ext>
             </a:extLst>
           </p:cNvPr>
@@ -8007,8 +10416,8 @@
         </p:nvSpPr>
         <p:spPr>
           <a:xfrm>
-            <a:off x="596900" y="1369672"/>
-            <a:ext cx="3165166" cy="381000"/>
+            <a:off x="76940" y="1712256"/>
+            <a:ext cx="1662213" cy="289597"/>
           </a:xfrm>
           <a:prstGeom prst="rect">
             <a:avLst/>
@@ -8036,30 +10445,17 @@
           <a:p>
             <a:r>
               <a:rPr lang="zh-TW" altLang="en-US" sz="1600" dirty="0"/>
-              <a:t>檔案</a:t>
-            </a:r>
-            <a:r>
-              <a:rPr lang="en-US" altLang="zh-TW" sz="1600" dirty="0"/>
-              <a:t>:</a:t>
-            </a:r>
-            <a:r>
-              <a:rPr lang="zh-TW" altLang="en-US" sz="1600" dirty="0"/>
-              <a:t> </a:t>
-            </a:r>
-            <a:r>
-              <a:rPr lang="en-US" altLang="zh-TW" sz="1600" dirty="0" err="1"/>
-              <a:t>QuadraticRegression.cs</a:t>
-            </a:r>
-            <a:endParaRPr lang="zh-TW" altLang="en-US" sz="1600" dirty="0"/>
+              <a:t>未使用平行運算</a:t>
+            </a:r>
           </a:p>
         </p:txBody>
       </p:sp>
       <p:sp>
         <p:nvSpPr>
-          <p:cNvPr id="12" name="矩形 11">
+          <p:cNvPr id="24" name="矩形 23">
             <a:extLst>
               <a:ext uri="{FF2B5EF4-FFF2-40B4-BE49-F238E27FC236}">
-                <a16:creationId xmlns:a16="http://schemas.microsoft.com/office/drawing/2014/main" id="{CF86F2D2-86ED-489C-BEBD-7BEFDD6AFE2F}"/>
+                <a16:creationId xmlns:a16="http://schemas.microsoft.com/office/drawing/2014/main" id="{5E4D455A-E6AB-4816-A2BF-CBB59AB2E283}"/>
               </a:ext>
             </a:extLst>
           </p:cNvPr>
@@ -8068,17 +10464,12 @@
         </p:nvSpPr>
         <p:spPr>
           <a:xfrm>
-            <a:off x="596900" y="1750671"/>
-            <a:ext cx="3558540" cy="2323489"/>
+            <a:off x="4666870" y="1730186"/>
+            <a:ext cx="1580953" cy="289597"/>
           </a:xfrm>
           <a:prstGeom prst="rect">
             <a:avLst/>
           </a:prstGeom>
-          <a:solidFill>
-            <a:schemeClr val="bg1">
-              <a:alpha val="0"/>
-            </a:schemeClr>
-          </a:solidFill>
         </p:spPr>
         <p:style>
           <a:lnRef idx="2">
@@ -8100,119 +10491,121 @@
           <a:bodyPr rtlCol="0" anchor="ctr"/>
           <a:lstStyle/>
           <a:p>
-            <a:endParaRPr lang="en-US" altLang="zh-TW" sz="1600" dirty="0">
-              <a:solidFill>
-                <a:schemeClr val="accent1"/>
-              </a:solidFill>
-            </a:endParaRPr>
+            <a:r>
+              <a:rPr lang="zh-TW" altLang="en-US" sz="1600" dirty="0"/>
+              <a:t>使用平行運算</a:t>
+            </a:r>
           </a:p>
         </p:txBody>
       </p:sp>
       <p:sp>
         <p:nvSpPr>
-          <p:cNvPr id="8" name="文字方塊 7">
+          <p:cNvPr id="7" name="橢圓 6">
             <a:extLst>
               <a:ext uri="{FF2B5EF4-FFF2-40B4-BE49-F238E27FC236}">
-                <a16:creationId xmlns:a16="http://schemas.microsoft.com/office/drawing/2014/main" id="{B59C52F6-CF87-4EAC-8F5D-2DB0C413112E}"/>
+                <a16:creationId xmlns:a16="http://schemas.microsoft.com/office/drawing/2014/main" id="{4EAE1F7C-315F-4136-9535-31BE66611CCE}"/>
               </a:ext>
             </a:extLst>
           </p:cNvPr>
-          <p:cNvSpPr txBox="1"/>
+          <p:cNvSpPr/>
           <p:nvPr/>
         </p:nvSpPr>
         <p:spPr>
           <a:xfrm>
-            <a:off x="931046" y="2068972"/>
-            <a:ext cx="2757034" cy="1535288"/>
+            <a:off x="1326772" y="4114798"/>
+            <a:ext cx="525767" cy="526542"/>
           </a:xfrm>
-          <a:prstGeom prst="rect">
+          <a:prstGeom prst="ellipse">
             <a:avLst/>
           </a:prstGeom>
           <a:noFill/>
-          <a:ln>
+          <a:ln w="19050">
             <a:solidFill>
-              <a:schemeClr val="tx1"/>
+              <a:srgbClr val="FF0000"/>
             </a:solidFill>
           </a:ln>
         </p:spPr>
+        <p:style>
+          <a:lnRef idx="2">
+            <a:schemeClr val="accent1">
+              <a:shade val="50000"/>
+            </a:schemeClr>
+          </a:lnRef>
+          <a:fillRef idx="1">
+            <a:schemeClr val="accent1"/>
+          </a:fillRef>
+          <a:effectRef idx="0">
+            <a:schemeClr val="accent1"/>
+          </a:effectRef>
+          <a:fontRef idx="minor">
+            <a:schemeClr val="lt1"/>
+          </a:fontRef>
+        </p:style>
         <p:txBody>
-          <a:bodyPr wrap="square" rtlCol="0">
-            <a:noAutofit/>
-          </a:bodyPr>
+          <a:bodyPr rtlCol="0" anchor="ctr"/>
           <a:lstStyle/>
           <a:p>
-            <a:r>
-              <a:rPr lang="zh-TW" altLang="en-US" sz="1600" dirty="0"/>
-              <a:t>物件</a:t>
-            </a:r>
-            <a:r>
-              <a:rPr lang="en-US" altLang="zh-TW" sz="1600" dirty="0"/>
-              <a:t>: </a:t>
-            </a:r>
-            <a:r>
-              <a:rPr lang="en-US" altLang="zh-TW" sz="1600" dirty="0" err="1"/>
-              <a:t>QudraticRegression</a:t>
-            </a:r>
-            <a:endParaRPr lang="en-US" altLang="zh-TW" sz="1600" dirty="0"/>
-          </a:p>
-          <a:p>
-            <a:r>
-              <a:rPr lang="zh-TW" altLang="en-US" sz="1600" dirty="0"/>
-              <a:t>功能</a:t>
-            </a:r>
-            <a:r>
-              <a:rPr lang="en-US" altLang="zh-TW" sz="1600" dirty="0"/>
-              <a:t>:</a:t>
-            </a:r>
-          </a:p>
-          <a:p>
-            <a:r>
-              <a:rPr lang="en-US" altLang="zh-TW" sz="1600" dirty="0"/>
-              <a:t>	</a:t>
-            </a:r>
-            <a:r>
-              <a:rPr lang="zh-TW" altLang="en-US" sz="1600" dirty="0"/>
-              <a:t>建立二次多項式回歸及</a:t>
-            </a:r>
-            <a:r>
-              <a:rPr lang="en-US" altLang="zh-TW" sz="1600" dirty="0"/>
-              <a:t>	</a:t>
-            </a:r>
-            <a:r>
-              <a:rPr lang="zh-TW" altLang="en-US" sz="1600" dirty="0"/>
-              <a:t>查詢係數和預測。</a:t>
-            </a:r>
-            <a:r>
-              <a:rPr lang="en-US" altLang="zh-TW" sz="1600" dirty="0"/>
-              <a:t>	</a:t>
-            </a:r>
-          </a:p>
-          <a:p>
-            <a:r>
-              <a:rPr lang="en-US" altLang="zh-TW" sz="1600" dirty="0"/>
-              <a:t>	(</a:t>
-            </a:r>
-            <a:r>
-              <a:rPr lang="zh-TW" altLang="en-US" sz="1600" dirty="0"/>
-              <a:t>用於美式選擇權</a:t>
-            </a:r>
-            <a:r>
-              <a:rPr lang="en-US" altLang="zh-TW" sz="1600" dirty="0"/>
-              <a:t>)</a:t>
-            </a:r>
-          </a:p>
-          <a:p>
-            <a:endParaRPr lang="en-US" altLang="zh-TW" sz="1600" dirty="0"/>
-          </a:p>
-          <a:p>
-            <a:endParaRPr lang="zh-TW" altLang="en-US" sz="1600" dirty="0"/>
+            <a:pPr algn="ctr"/>
+            <a:endParaRPr lang="zh-TW" altLang="en-US"/>
+          </a:p>
+        </p:txBody>
+      </p:sp>
+      <p:sp>
+        <p:nvSpPr>
+          <p:cNvPr id="25" name="橢圓 24">
+            <a:extLst>
+              <a:ext uri="{FF2B5EF4-FFF2-40B4-BE49-F238E27FC236}">
+                <a16:creationId xmlns:a16="http://schemas.microsoft.com/office/drawing/2014/main" id="{AF727CA4-6B3D-4C24-9E15-8EA674FB1CDB}"/>
+              </a:ext>
+            </a:extLst>
+          </p:cNvPr>
+          <p:cNvSpPr/>
+          <p:nvPr/>
+        </p:nvSpPr>
+        <p:spPr>
+          <a:xfrm>
+            <a:off x="5907737" y="4213409"/>
+            <a:ext cx="525767" cy="526542"/>
+          </a:xfrm>
+          <a:prstGeom prst="ellipse">
+            <a:avLst/>
+          </a:prstGeom>
+          <a:noFill/>
+          <a:ln w="19050">
+            <a:solidFill>
+              <a:srgbClr val="FF0000"/>
+            </a:solidFill>
+          </a:ln>
+        </p:spPr>
+        <p:style>
+          <a:lnRef idx="2">
+            <a:schemeClr val="accent1">
+              <a:shade val="50000"/>
+            </a:schemeClr>
+          </a:lnRef>
+          <a:fillRef idx="1">
+            <a:schemeClr val="accent1"/>
+          </a:fillRef>
+          <a:effectRef idx="0">
+            <a:schemeClr val="accent1"/>
+          </a:effectRef>
+          <a:fontRef idx="minor">
+            <a:schemeClr val="lt1"/>
+          </a:fontRef>
+        </p:style>
+        <p:txBody>
+          <a:bodyPr rtlCol="0" anchor="ctr"/>
+          <a:lstStyle/>
+          <a:p>
+            <a:pPr algn="ctr"/>
+            <a:endParaRPr lang="zh-TW" altLang="en-US"/>
           </a:p>
         </p:txBody>
       </p:sp>
     </p:spTree>
     <p:extLst>
       <p:ext uri="{BB962C8B-B14F-4D97-AF65-F5344CB8AC3E}">
-        <p14:creationId xmlns:p14="http://schemas.microsoft.com/office/powerpoint/2010/main" val="2760182608"/>
+        <p14:creationId xmlns:p14="http://schemas.microsoft.com/office/powerpoint/2010/main" val="1384952912"/>
       </p:ext>
     </p:extLst>
   </p:cSld>
@@ -8318,6 +10711,20 @@
             <a:r>
               <a:rPr lang="zh-TW" altLang="en-US" sz="2800" dirty="0"/>
               <a:t>程式碼物件說明</a:t>
+            </a:r>
+            <a:endParaRPr lang="en-US" altLang="zh-TW" sz="2800" dirty="0"/>
+          </a:p>
+          <a:p>
+            <a:pPr marL="457200" indent="-457200">
+              <a:lnSpc>
+                <a:spcPct val="150000"/>
+              </a:lnSpc>
+              <a:buFont typeface="+mj-lt"/>
+              <a:buAutoNum type="arabicPeriod"/>
+            </a:pPr>
+            <a:r>
+              <a:rPr lang="zh-TW" altLang="en-US" sz="2800" dirty="0"/>
+              <a:t>期末更新</a:t>
             </a:r>
           </a:p>
         </p:txBody>
